--- a/spring13/slides13/stable-matching.pptx
+++ b/spring13/slides13/stable-matching.pptx
@@ -3703,14 +3703,7 @@
                 <a:latin typeface="Comic Sans MS" pitchFamily="66" charset="0"/>
                 <a:ea typeface="宋体" pitchFamily="2" charset="-122"/>
               </a:rPr>
-              <a:t>Albert R Meyer.     </a:t>
-            </a:r>
-            <a:r>
-              <a:rPr lang="en-US" altLang="zh-CN" sz="1000" dirty="0" smtClean="0">
-                <a:latin typeface="Comic Sans MS" pitchFamily="66" charset="0"/>
-                <a:ea typeface="宋体" pitchFamily="2" charset="-122"/>
-              </a:rPr>
-              <a:t>April</a:t>
+              <a:t>Albert R Meyer.     April</a:t>
             </a:r>
             <a:r>
               <a:rPr lang="en-US" altLang="zh-CN" sz="1000" baseline="0" dirty="0" smtClean="0">
@@ -3724,14 +3717,7 @@
                 <a:latin typeface="Comic Sans MS" pitchFamily="66" charset="0"/>
                 <a:ea typeface="宋体" pitchFamily="2" charset="-122"/>
               </a:rPr>
-              <a:t>, </a:t>
-            </a:r>
-            <a:r>
-              <a:rPr lang="en-US" altLang="zh-CN" sz="1000" dirty="0" smtClean="0">
-                <a:latin typeface="Comic Sans MS" pitchFamily="66" charset="0"/>
-                <a:ea typeface="宋体" pitchFamily="2" charset="-122"/>
-              </a:rPr>
-              <a:t>2013</a:t>
+              <a:t>, 2013</a:t>
             </a:r>
             <a:endParaRPr lang="en-US" altLang="zh-CN" sz="1000" dirty="0">
               <a:latin typeface="Comic Sans MS" pitchFamily="66" charset="0"/>
@@ -4365,107 +4351,20 @@
   <p:clrMapOvr>
     <a:masterClrMapping/>
   </p:clrMapOvr>
-  <mc:AlternateContent xmlns:mc="http://schemas.openxmlformats.org/markup-compatibility/2006">
-    <mc:Choice xmlns:p14="http://schemas.microsoft.com/office/powerpoint/2010/main" Requires="p14">
+  <mc:AlternateContent xmlns:mc="http://schemas.openxmlformats.org/markup-compatibility/2006" xmlns:p14="http://schemas.microsoft.com/office/powerpoint/2010/main">
+    <mc:Choice Requires="p14">
       <p:transition p14:dur="0" advClick="0"/>
     </mc:Choice>
-    <mc:Fallback>
+    <mc:Fallback xmlns="">
       <p:transition xmlns:p14="http://schemas.microsoft.com/office/powerpoint/2010/main" advClick="0"/>
     </mc:Fallback>
   </mc:AlternateContent>
   <p:timing>
     <p:tnLst>
       <p:par>
-        <p:cTn xmlns:p14="http://schemas.microsoft.com/office/powerpoint/2010/main" id="1" dur="indefinite" restart="never" nodeType="tmRoot">
-          <p:childTnLst>
-            <p:seq concurrent="1" nextAc="seek">
-              <p:cTn id="2" dur="indefinite" nodeType="mainSeq">
-                <p:childTnLst>
-                  <p:par>
-                    <p:cTn id="3" fill="hold">
-                      <p:stCondLst>
-                        <p:cond delay="indefinite"/>
-                      </p:stCondLst>
-                      <p:childTnLst>
-                        <p:par>
-                          <p:cTn id="4" fill="hold">
-                            <p:stCondLst>
-                              <p:cond delay="0"/>
-                            </p:stCondLst>
-                            <p:childTnLst>
-                              <p:par>
-                                <p:cTn id="5" presetID="9" presetClass="entr" presetSubtype="0" fill="hold" grpId="0" nodeType="clickEffect">
-                                  <p:stCondLst>
-                                    <p:cond delay="0"/>
-                                  </p:stCondLst>
-                                  <p:childTnLst>
-                                    <p:set>
-                                      <p:cBhvr>
-                                        <p:cTn id="6" dur="1" fill="hold">
-                                          <p:stCondLst>
-                                            <p:cond delay="0"/>
-                                          </p:stCondLst>
-                                        </p:cTn>
-                                        <p:tgtEl>
-                                          <p:spTgt spid="10244">
-                                            <p:txEl>
-                                              <p:pRg st="0" end="0"/>
-                                            </p:txEl>
-                                          </p:spTgt>
-                                        </p:tgtEl>
-                                        <p:attrNameLst>
-                                          <p:attrName>style.visibility</p:attrName>
-                                        </p:attrNameLst>
-                                      </p:cBhvr>
-                                      <p:to>
-                                        <p:strVal val="visible"/>
-                                      </p:to>
-                                    </p:set>
-                                    <p:animEffect transition="in" filter="dissolve">
-                                      <p:cBhvr>
-                                        <p:cTn id="7" dur="1000"/>
-                                        <p:tgtEl>
-                                          <p:spTgt spid="10244">
-                                            <p:txEl>
-                                              <p:pRg st="0" end="0"/>
-                                            </p:txEl>
-                                          </p:spTgt>
-                                        </p:tgtEl>
-                                      </p:cBhvr>
-                                    </p:animEffect>
-                                  </p:childTnLst>
-                                </p:cTn>
-                              </p:par>
-                            </p:childTnLst>
-                          </p:cTn>
-                        </p:par>
-                      </p:childTnLst>
-                    </p:cTn>
-                  </p:par>
-                </p:childTnLst>
-              </p:cTn>
-              <p:prevCondLst>
-                <p:cond evt="onPrev" delay="0">
-                  <p:tgtEl>
-                    <p:sldTgt/>
-                  </p:tgtEl>
-                </p:cond>
-              </p:prevCondLst>
-              <p:nextCondLst>
-                <p:cond evt="onNext" delay="0">
-                  <p:tgtEl>
-                    <p:sldTgt/>
-                  </p:tgtEl>
-                </p:cond>
-              </p:nextCondLst>
-            </p:seq>
-          </p:childTnLst>
-        </p:cTn>
+        <p:cTn xmlns:p14="http://schemas.microsoft.com/office/powerpoint/2010/main" id="1" dur="indefinite" restart="never" nodeType="tmRoot"/>
       </p:par>
     </p:tnLst>
-    <p:bldLst>
-      <p:bldP spid="10244" grpId="0" uiExpand="1" build="p"/>
-    </p:bldLst>
   </p:timing>
 </p:sld>
 </file>
@@ -7812,13 +7711,13 @@
   <p:clrMapOvr>
     <a:masterClrMapping/>
   </p:clrMapOvr>
-  <mc:AlternateContent xmlns:mc="http://schemas.openxmlformats.org/markup-compatibility/2006">
-    <mc:Choice xmlns:p14="http://schemas.microsoft.com/office/powerpoint/2010/main" Requires="p14">
+  <mc:AlternateContent xmlns:mc="http://schemas.openxmlformats.org/markup-compatibility/2006" xmlns:p14="http://schemas.microsoft.com/office/powerpoint/2010/main">
+    <mc:Choice Requires="p14">
       <p:transition spd="slow" p14:dur="800" advClick="0">
         <p:fade thruBlk="1"/>
       </p:transition>
     </mc:Choice>
-    <mc:Fallback>
+    <mc:Fallback xmlns="">
       <p:transition xmlns:p14="http://schemas.microsoft.com/office/powerpoint/2010/main" spd="slow" advClick="0">
         <p:fade thruBlk="1"/>
       </p:transition>

--- a/spring13/slides13/stable-matching.pptx
+++ b/spring13/slides13/stable-matching.pptx
@@ -5,10 +5,10 @@
     <p:sldMasterId id="2147483662" r:id="rId1"/>
   </p:sldMasterIdLst>
   <p:notesMasterIdLst>
-    <p:notesMasterId r:id="rId21"/>
+    <p:notesMasterId r:id="rId22"/>
   </p:notesMasterIdLst>
   <p:handoutMasterIdLst>
-    <p:handoutMasterId r:id="rId22"/>
+    <p:handoutMasterId r:id="rId23"/>
   </p:handoutMasterIdLst>
   <p:sldIdLst>
     <p:sldId id="786" r:id="rId2"/>
@@ -28,13 +28,14 @@
     <p:sldId id="800" r:id="rId16"/>
     <p:sldId id="804" r:id="rId17"/>
     <p:sldId id="803" r:id="rId18"/>
-    <p:sldId id="805" r:id="rId19"/>
-    <p:sldId id="806" r:id="rId20"/>
+    <p:sldId id="807" r:id="rId19"/>
+    <p:sldId id="805" r:id="rId20"/>
+    <p:sldId id="806" r:id="rId21"/>
   </p:sldIdLst>
   <p:sldSz cx="9144000" cy="6858000" type="screen4x3"/>
   <p:notesSz cx="9601200" cy="7315200"/>
   <p:custDataLst>
-    <p:tags r:id="rId24"/>
+    <p:tags r:id="rId25"/>
   </p:custDataLst>
   <p:defaultTextStyle>
     <a:defPPr>
@@ -1773,7 +1774,7 @@
       </p:grpSpPr>
       <p:sp>
         <p:nvSpPr>
-          <p:cNvPr id="79874" name="Rectangle 7"/>
+          <p:cNvPr id="78850" name="Rectangle 7"/>
           <p:cNvSpPr>
             <a:spLocks noGrp="1" noChangeArrowheads="1"/>
           </p:cNvSpPr>
@@ -1788,7 +1789,7 @@
           <a:bodyPr/>
           <a:lstStyle/>
           <a:p>
-            <a:fld id="{DCE07B4D-D49A-486A-AE90-2F39BE6407E2}" type="slidenum">
+            <a:fld id="{E875BA45-4AB8-48C1-A27B-78FC7B0BE89C}" type="slidenum">
               <a:rPr lang="en-US" smtClean="0"/>
               <a:pPr/>
               <a:t>19</a:t>
@@ -1799,7 +1800,7 @@
       </p:sp>
       <p:sp>
         <p:nvSpPr>
-          <p:cNvPr id="79875" name="Rectangle 2"/>
+          <p:cNvPr id="78851" name="Rectangle 2"/>
           <p:cNvSpPr>
             <a:spLocks noGrp="1" noRot="1" noChangeAspect="1" noChangeArrowheads="1" noTextEdit="1"/>
           </p:cNvSpPr>
@@ -1813,7 +1814,7 @@
       </p:sp>
       <p:sp>
         <p:nvSpPr>
-          <p:cNvPr id="79876" name="Rectangle 3"/>
+          <p:cNvPr id="78852" name="Rectangle 3"/>
           <p:cNvSpPr>
             <a:spLocks noGrp="1" noChangeArrowheads="1"/>
           </p:cNvSpPr>
@@ -1902,6 +1903,94 @@
       <p:sp>
         <p:nvSpPr>
           <p:cNvPr id="60420" name="Rectangle 3"/>
+          <p:cNvSpPr>
+            <a:spLocks noGrp="1" noChangeArrowheads="1"/>
+          </p:cNvSpPr>
+          <p:nvPr>
+            <p:ph type="body" idx="1"/>
+          </p:nvPr>
+        </p:nvSpPr>
+        <p:spPr>
+          <a:noFill/>
+          <a:ln/>
+        </p:spPr>
+        <p:txBody>
+          <a:bodyPr/>
+          <a:lstStyle/>
+          <a:p>
+            <a:pPr eaLnBrk="1" hangingPunct="1"/>
+            <a:endParaRPr lang="en-US" smtClean="0"/>
+          </a:p>
+        </p:txBody>
+      </p:sp>
+    </p:spTree>
+  </p:cSld>
+  <p:clrMapOvr>
+    <a:masterClrMapping/>
+  </p:clrMapOvr>
+</p:notes>
+</file>
+
+<file path=ppt/notesSlides/notesSlide20.xml><?xml version="1.0" encoding="utf-8"?>
+<p:notes xmlns:a="http://schemas.openxmlformats.org/drawingml/2006/main" xmlns:r="http://schemas.openxmlformats.org/officeDocument/2006/relationships" xmlns:p="http://schemas.openxmlformats.org/presentationml/2006/main">
+  <p:cSld>
+    <p:spTree>
+      <p:nvGrpSpPr>
+        <p:cNvPr id="1" name=""/>
+        <p:cNvGrpSpPr/>
+        <p:nvPr/>
+      </p:nvGrpSpPr>
+      <p:grpSpPr>
+        <a:xfrm>
+          <a:off x="0" y="0"/>
+          <a:ext cx="0" cy="0"/>
+          <a:chOff x="0" y="0"/>
+          <a:chExt cx="0" cy="0"/>
+        </a:xfrm>
+      </p:grpSpPr>
+      <p:sp>
+        <p:nvSpPr>
+          <p:cNvPr id="79874" name="Rectangle 7"/>
+          <p:cNvSpPr>
+            <a:spLocks noGrp="1" noChangeArrowheads="1"/>
+          </p:cNvSpPr>
+          <p:nvPr>
+            <p:ph type="sldNum" sz="quarter" idx="5"/>
+          </p:nvPr>
+        </p:nvSpPr>
+        <p:spPr>
+          <a:noFill/>
+        </p:spPr>
+        <p:txBody>
+          <a:bodyPr/>
+          <a:lstStyle/>
+          <a:p>
+            <a:fld id="{DCE07B4D-D49A-486A-AE90-2F39BE6407E2}" type="slidenum">
+              <a:rPr lang="en-US" smtClean="0"/>
+              <a:pPr/>
+              <a:t>20</a:t>
+            </a:fld>
+            <a:endParaRPr lang="en-US" smtClean="0"/>
+          </a:p>
+        </p:txBody>
+      </p:sp>
+      <p:sp>
+        <p:nvSpPr>
+          <p:cNvPr id="79875" name="Rectangle 2"/>
+          <p:cNvSpPr>
+            <a:spLocks noGrp="1" noRot="1" noChangeAspect="1" noChangeArrowheads="1" noTextEdit="1"/>
+          </p:cNvSpPr>
+          <p:nvPr>
+            <p:ph type="sldImg"/>
+          </p:nvPr>
+        </p:nvSpPr>
+        <p:spPr>
+          <a:ln/>
+        </p:spPr>
+      </p:sp>
+      <p:sp>
+        <p:nvSpPr>
+          <p:cNvPr id="79876" name="Rectangle 3"/>
           <p:cNvSpPr>
             <a:spLocks noGrp="1" noChangeArrowheads="1"/>
           </p:cNvSpPr>
@@ -9848,8 +9937,13 @@
             <a:pPr eaLnBrk="1" hangingPunct="1"/>
             <a:r>
               <a:rPr lang="en-US" sz="4800" dirty="0" smtClean="0"/>
-              <a:t>Matching Dance Partners.</a:t>
-            </a:r>
+              <a:t>Matching </a:t>
+            </a:r>
+            <a:r>
+              <a:rPr lang="en-US" sz="4800" dirty="0" smtClean="0"/>
+              <a:t>Clients &amp; Servers</a:t>
+            </a:r>
+            <a:endParaRPr lang="en-US" sz="4800" dirty="0" smtClean="0"/>
           </a:p>
         </p:txBody>
       </p:sp>
@@ -9891,6 +9985,11 @@
         </p:txBody>
       </p:sp>
     </p:spTree>
+    <p:extLst>
+      <p:ext uri="{BB962C8B-B14F-4D97-AF65-F5344CB8AC3E}">
+        <p14:creationId xmlns:p14="http://schemas.microsoft.com/office/powerpoint/2010/main" val="1760481930"/>
+      </p:ext>
+    </p:extLst>
   </p:cSld>
   <p:clrMapOvr>
     <a:masterClrMapping/>
@@ -10158,7 +10257,7 @@
 </file>
 
 <file path=ppt/slides/slide19.xml><?xml version="1.0" encoding="utf-8"?>
-<p:sld xmlns:a="http://schemas.openxmlformats.org/drawingml/2006/main" xmlns:r="http://schemas.openxmlformats.org/officeDocument/2006/relationships" xmlns:p="http://schemas.openxmlformats.org/presentationml/2006/main">
+<p:sld xmlns:a="http://schemas.openxmlformats.org/drawingml/2006/main" xmlns:r="http://schemas.openxmlformats.org/officeDocument/2006/relationships" xmlns:p="http://schemas.openxmlformats.org/presentationml/2006/main" showMasterPhAnim="0">
   <p:cSld>
     <p:spTree>
       <p:nvGrpSpPr>
@@ -10176,7 +10275,7 @@
       </p:grpSpPr>
       <p:sp>
         <p:nvSpPr>
-          <p:cNvPr id="30722" name="Rectangle 2"/>
+          <p:cNvPr id="29698" name="Rectangle 2"/>
           <p:cNvSpPr>
             <a:spLocks noGrp="1" noChangeArrowheads="1"/>
           </p:cNvSpPr>
@@ -10191,47 +10290,79 @@
           <a:p>
             <a:pPr eaLnBrk="1" hangingPunct="1"/>
             <a:r>
-              <a:rPr lang="en-US" sz="3600" smtClean="0"/>
+              <a:rPr lang="en-US" sz="3600" dirty="0" smtClean="0"/>
               <a:t>Stable Marriage</a:t>
             </a:r>
           </a:p>
         </p:txBody>
       </p:sp>
-      <p:pic>
-        <p:nvPicPr>
-          <p:cNvPr id="30723" name="Picture 3" descr="ifair99-med"/>
-          <p:cNvPicPr>
-            <a:picLocks noChangeAspect="1" noChangeArrowheads="1"/>
-          </p:cNvPicPr>
-          <p:nvPr/>
-        </p:nvPicPr>
-        <p:blipFill>
-          <a:blip r:embed="rId3"/>
-          <a:srcRect/>
-          <a:stretch>
-            <a:fillRect/>
-          </a:stretch>
-        </p:blipFill>
-        <p:spPr bwMode="auto">
-          <a:xfrm>
-            <a:off x="1025525" y="1165225"/>
-            <a:ext cx="7113588" cy="4948238"/>
-          </a:xfrm>
-          <a:prstGeom prst="rect">
-            <a:avLst/>
-          </a:prstGeom>
-          <a:noFill/>
-          <a:ln w="9525">
-            <a:noFill/>
-            <a:miter lim="800000"/>
-            <a:headEnd/>
-            <a:tailEnd/>
-          </a:ln>
-        </p:spPr>
-      </p:pic>
-      <p:sp>
-        <p:nvSpPr>
-          <p:cNvPr id="30724" name="Slide Number Placeholder 1"/>
+      <p:sp>
+        <p:nvSpPr>
+          <p:cNvPr id="583683" name="Rectangle 3"/>
+          <p:cNvSpPr>
+            <a:spLocks noGrp="1" noChangeArrowheads="1"/>
+          </p:cNvSpPr>
+          <p:nvPr>
+            <p:ph type="body" idx="1"/>
+          </p:nvPr>
+        </p:nvSpPr>
+        <p:spPr>
+          <a:xfrm>
+            <a:off x="327407" y="1287080"/>
+            <a:ext cx="8619240" cy="4525415"/>
+          </a:xfrm>
+        </p:spPr>
+        <p:txBody>
+          <a:bodyPr/>
+          <a:lstStyle/>
+          <a:p>
+            <a:pPr eaLnBrk="1" hangingPunct="1">
+              <a:buNone/>
+            </a:pPr>
+            <a:r>
+              <a:rPr lang="en-US" sz="4800" dirty="0" smtClean="0"/>
+              <a:t>More than a puzzle:</a:t>
+            </a:r>
+          </a:p>
+          <a:p>
+            <a:pPr eaLnBrk="1" hangingPunct="1"/>
+            <a:r>
+              <a:rPr lang="en-US" sz="4800" dirty="0" smtClean="0"/>
+              <a:t>College Admissions</a:t>
+            </a:r>
+          </a:p>
+          <a:p>
+            <a:pPr lvl="1" eaLnBrk="1" hangingPunct="1">
+              <a:spcBef>
+                <a:spcPct val="0"/>
+              </a:spcBef>
+              <a:buNone/>
+            </a:pPr>
+            <a:r>
+              <a:rPr lang="en-US" sz="2400" dirty="0" smtClean="0"/>
+              <a:t>			(original Gale &amp; Shapley paper, 1962)</a:t>
+            </a:r>
+            <a:endParaRPr lang="en-US" sz="4400" dirty="0" smtClean="0"/>
+          </a:p>
+          <a:p>
+            <a:pPr eaLnBrk="1" hangingPunct="1"/>
+            <a:r>
+              <a:rPr lang="en-US" sz="4400" dirty="0" smtClean="0"/>
+              <a:t>Matching Hospitals &amp; Residents.</a:t>
+            </a:r>
+          </a:p>
+          <a:p>
+            <a:pPr eaLnBrk="1" hangingPunct="1"/>
+            <a:r>
+              <a:rPr lang="en-US" sz="4800" dirty="0" smtClean="0"/>
+              <a:t>Matching Dance Partners.</a:t>
+            </a:r>
+          </a:p>
+        </p:txBody>
+      </p:sp>
+      <p:sp>
+        <p:nvSpPr>
+          <p:cNvPr id="29700" name="Slide Number Placeholder 1"/>
           <p:cNvSpPr>
             <a:spLocks noGrp="1"/>
           </p:cNvSpPr>
@@ -10246,13 +10377,20 @@
           <a:bodyPr/>
           <a:lstStyle/>
           <a:p>
+            <a:pPr>
+              <a:buFont typeface="Arial"/>
+              <a:buChar char="•"/>
+            </a:pPr>
             <a:r>
               <a:rPr lang="en-US" dirty="0" smtClean="0"/>
               <a:t>stable.</a:t>
             </a:r>
-            <a:fld id="{FF8712C4-DC69-4BDF-A3AC-8A5CC2E744F0}" type="slidenum">
+            <a:fld id="{0E34B4AB-722C-48E8-93E1-D16C68AF395B}" type="slidenum">
               <a:rPr lang="en-US" smtClean="0"/>
-              <a:pPr/>
+              <a:pPr>
+                <a:buFont typeface="Arial"/>
+                <a:buChar char="•"/>
+              </a:pPr>
               <a:t>19</a:t>
             </a:fld>
             <a:endParaRPr lang="en-US" dirty="0" smtClean="0"/>
@@ -10264,13 +10402,262 @@
   <p:clrMapOvr>
     <a:masterClrMapping/>
   </p:clrMapOvr>
-  <p:transition xmlns:p14="http://schemas.microsoft.com/office/powerpoint/2010/main" spd="slow" advClick="0">
+  <p:transition xmlns:p14="http://schemas.microsoft.com/office/powerpoint/2010/main" advClick="0">
     <p:fade/>
   </p:transition>
   <p:timing>
     <p:tnLst>
       <p:par>
-        <p:cTn xmlns:p14="http://schemas.microsoft.com/office/powerpoint/2010/main" id="1" dur="indefinite" restart="never" nodeType="tmRoot"/>
+        <p:cTn xmlns:p14="http://schemas.microsoft.com/office/powerpoint/2010/main" id="1" dur="indefinite" restart="never" nodeType="tmRoot">
+          <p:childTnLst>
+            <p:seq concurrent="1" nextAc="seek">
+              <p:cTn id="2" dur="indefinite" nodeType="mainSeq">
+                <p:childTnLst>
+                  <p:par>
+                    <p:cTn id="3" fill="hold">
+                      <p:stCondLst>
+                        <p:cond delay="indefinite"/>
+                      </p:stCondLst>
+                      <p:childTnLst>
+                        <p:par>
+                          <p:cTn id="4" fill="hold">
+                            <p:stCondLst>
+                              <p:cond delay="0"/>
+                            </p:stCondLst>
+                            <p:childTnLst>
+                              <p:par>
+                                <p:cTn id="5" presetID="10" presetClass="entr" presetSubtype="0" fill="hold" nodeType="clickEffect">
+                                  <p:stCondLst>
+                                    <p:cond delay="0"/>
+                                  </p:stCondLst>
+                                  <p:childTnLst>
+                                    <p:set>
+                                      <p:cBhvr>
+                                        <p:cTn id="6" dur="1" fill="hold">
+                                          <p:stCondLst>
+                                            <p:cond delay="0"/>
+                                          </p:stCondLst>
+                                        </p:cTn>
+                                        <p:tgtEl>
+                                          <p:spTgt spid="583683">
+                                            <p:txEl>
+                                              <p:pRg st="1" end="1"/>
+                                            </p:txEl>
+                                          </p:spTgt>
+                                        </p:tgtEl>
+                                        <p:attrNameLst>
+                                          <p:attrName>style.visibility</p:attrName>
+                                        </p:attrNameLst>
+                                      </p:cBhvr>
+                                      <p:to>
+                                        <p:strVal val="visible"/>
+                                      </p:to>
+                                    </p:set>
+                                    <p:animEffect transition="in" filter="fade">
+                                      <p:cBhvr>
+                                        <p:cTn id="7" dur="500"/>
+                                        <p:tgtEl>
+                                          <p:spTgt spid="583683">
+                                            <p:txEl>
+                                              <p:pRg st="1" end="1"/>
+                                            </p:txEl>
+                                          </p:spTgt>
+                                        </p:tgtEl>
+                                      </p:cBhvr>
+                                    </p:animEffect>
+                                  </p:childTnLst>
+                                </p:cTn>
+                              </p:par>
+                              <p:par>
+                                <p:cTn id="8" presetID="10" presetClass="entr" presetSubtype="0" fill="hold" nodeType="withEffect">
+                                  <p:stCondLst>
+                                    <p:cond delay="0"/>
+                                  </p:stCondLst>
+                                  <p:childTnLst>
+                                    <p:set>
+                                      <p:cBhvr>
+                                        <p:cTn id="9" dur="1" fill="hold">
+                                          <p:stCondLst>
+                                            <p:cond delay="0"/>
+                                          </p:stCondLst>
+                                        </p:cTn>
+                                        <p:tgtEl>
+                                          <p:spTgt spid="583683">
+                                            <p:txEl>
+                                              <p:pRg st="2" end="2"/>
+                                            </p:txEl>
+                                          </p:spTgt>
+                                        </p:tgtEl>
+                                        <p:attrNameLst>
+                                          <p:attrName>style.visibility</p:attrName>
+                                        </p:attrNameLst>
+                                      </p:cBhvr>
+                                      <p:to>
+                                        <p:strVal val="visible"/>
+                                      </p:to>
+                                    </p:set>
+                                    <p:animEffect transition="in" filter="fade">
+                                      <p:cBhvr>
+                                        <p:cTn id="10" dur="500"/>
+                                        <p:tgtEl>
+                                          <p:spTgt spid="583683">
+                                            <p:txEl>
+                                              <p:pRg st="2" end="2"/>
+                                            </p:txEl>
+                                          </p:spTgt>
+                                        </p:tgtEl>
+                                      </p:cBhvr>
+                                    </p:animEffect>
+                                  </p:childTnLst>
+                                </p:cTn>
+                              </p:par>
+                            </p:childTnLst>
+                          </p:cTn>
+                        </p:par>
+                      </p:childTnLst>
+                    </p:cTn>
+                  </p:par>
+                  <p:par>
+                    <p:cTn id="11" fill="hold">
+                      <p:stCondLst>
+                        <p:cond delay="indefinite"/>
+                      </p:stCondLst>
+                      <p:childTnLst>
+                        <p:par>
+                          <p:cTn id="12" fill="hold">
+                            <p:stCondLst>
+                              <p:cond delay="0"/>
+                            </p:stCondLst>
+                            <p:childTnLst>
+                              <p:par>
+                                <p:cTn id="13" presetID="10" presetClass="entr" presetSubtype="0" fill="hold" nodeType="clickEffect">
+                                  <p:stCondLst>
+                                    <p:cond delay="0"/>
+                                  </p:stCondLst>
+                                  <p:childTnLst>
+                                    <p:set>
+                                      <p:cBhvr>
+                                        <p:cTn id="14" dur="1" fill="hold">
+                                          <p:stCondLst>
+                                            <p:cond delay="0"/>
+                                          </p:stCondLst>
+                                        </p:cTn>
+                                        <p:tgtEl>
+                                          <p:spTgt spid="583683">
+                                            <p:txEl>
+                                              <p:pRg st="3" end="3"/>
+                                            </p:txEl>
+                                          </p:spTgt>
+                                        </p:tgtEl>
+                                        <p:attrNameLst>
+                                          <p:attrName>style.visibility</p:attrName>
+                                        </p:attrNameLst>
+                                      </p:cBhvr>
+                                      <p:to>
+                                        <p:strVal val="visible"/>
+                                      </p:to>
+                                    </p:set>
+                                    <p:animEffect transition="in" filter="fade">
+                                      <p:cBhvr>
+                                        <p:cTn id="15" dur="500"/>
+                                        <p:tgtEl>
+                                          <p:spTgt spid="583683">
+                                            <p:txEl>
+                                              <p:pRg st="3" end="3"/>
+                                            </p:txEl>
+                                          </p:spTgt>
+                                        </p:tgtEl>
+                                      </p:cBhvr>
+                                    </p:animEffect>
+                                  </p:childTnLst>
+                                </p:cTn>
+                              </p:par>
+                            </p:childTnLst>
+                          </p:cTn>
+                        </p:par>
+                      </p:childTnLst>
+                    </p:cTn>
+                  </p:par>
+                  <p:par>
+                    <p:cTn id="16" fill="hold">
+                      <p:stCondLst>
+                        <p:cond delay="indefinite"/>
+                      </p:stCondLst>
+                      <p:childTnLst>
+                        <p:par>
+                          <p:cTn id="17" fill="hold">
+                            <p:stCondLst>
+                              <p:cond delay="0"/>
+                            </p:stCondLst>
+                            <p:childTnLst>
+                              <p:par>
+                                <p:cTn id="18" presetID="10" presetClass="entr" presetSubtype="0" fill="hold" nodeType="clickEffect">
+                                  <p:stCondLst>
+                                    <p:cond delay="0"/>
+                                  </p:stCondLst>
+                                  <p:childTnLst>
+                                    <p:set>
+                                      <p:cBhvr>
+                                        <p:cTn id="19" dur="1" fill="hold">
+                                          <p:stCondLst>
+                                            <p:cond delay="0"/>
+                                          </p:stCondLst>
+                                        </p:cTn>
+                                        <p:tgtEl>
+                                          <p:spTgt spid="583683">
+                                            <p:txEl>
+                                              <p:pRg st="4" end="4"/>
+                                            </p:txEl>
+                                          </p:spTgt>
+                                        </p:tgtEl>
+                                        <p:attrNameLst>
+                                          <p:attrName>style.visibility</p:attrName>
+                                        </p:attrNameLst>
+                                      </p:cBhvr>
+                                      <p:to>
+                                        <p:strVal val="visible"/>
+                                      </p:to>
+                                    </p:set>
+                                    <p:animEffect transition="in" filter="fade">
+                                      <p:cBhvr>
+                                        <p:cTn id="20" dur="500"/>
+                                        <p:tgtEl>
+                                          <p:spTgt spid="583683">
+                                            <p:txEl>
+                                              <p:pRg st="4" end="4"/>
+                                            </p:txEl>
+                                          </p:spTgt>
+                                        </p:tgtEl>
+                                      </p:cBhvr>
+                                    </p:animEffect>
+                                  </p:childTnLst>
+                                </p:cTn>
+                              </p:par>
+                            </p:childTnLst>
+                          </p:cTn>
+                        </p:par>
+                      </p:childTnLst>
+                    </p:cTn>
+                  </p:par>
+                </p:childTnLst>
+              </p:cTn>
+              <p:prevCondLst>
+                <p:cond evt="onPrev" delay="0">
+                  <p:tgtEl>
+                    <p:sldTgt/>
+                  </p:tgtEl>
+                </p:cond>
+              </p:prevCondLst>
+              <p:nextCondLst>
+                <p:cond evt="onNext" delay="0">
+                  <p:tgtEl>
+                    <p:sldTgt/>
+                  </p:tgtEl>
+                </p:cond>
+              </p:nextCondLst>
+            </p:seq>
+          </p:childTnLst>
+        </p:cTn>
       </p:par>
     </p:tnLst>
   </p:timing>
@@ -10954,6 +11341,126 @@
   </p:clrMapOvr>
   <p:transition xmlns:p14="http://schemas.microsoft.com/office/powerpoint/2010/main" spd="slow" advClick="0">
     <p:fade thruBlk="1"/>
+  </p:transition>
+  <p:timing>
+    <p:tnLst>
+      <p:par>
+        <p:cTn xmlns:p14="http://schemas.microsoft.com/office/powerpoint/2010/main" id="1" dur="indefinite" restart="never" nodeType="tmRoot"/>
+      </p:par>
+    </p:tnLst>
+  </p:timing>
+</p:sld>
+</file>
+
+<file path=ppt/slides/slide20.xml><?xml version="1.0" encoding="utf-8"?>
+<p:sld xmlns:a="http://schemas.openxmlformats.org/drawingml/2006/main" xmlns:r="http://schemas.openxmlformats.org/officeDocument/2006/relationships" xmlns:p="http://schemas.openxmlformats.org/presentationml/2006/main">
+  <p:cSld>
+    <p:spTree>
+      <p:nvGrpSpPr>
+        <p:cNvPr id="1" name=""/>
+        <p:cNvGrpSpPr/>
+        <p:nvPr/>
+      </p:nvGrpSpPr>
+      <p:grpSpPr>
+        <a:xfrm>
+          <a:off x="0" y="0"/>
+          <a:ext cx="0" cy="0"/>
+          <a:chOff x="0" y="0"/>
+          <a:chExt cx="0" cy="0"/>
+        </a:xfrm>
+      </p:grpSpPr>
+      <p:sp>
+        <p:nvSpPr>
+          <p:cNvPr id="30722" name="Rectangle 2"/>
+          <p:cNvSpPr>
+            <a:spLocks noGrp="1" noChangeArrowheads="1"/>
+          </p:cNvSpPr>
+          <p:nvPr>
+            <p:ph type="title"/>
+          </p:nvPr>
+        </p:nvSpPr>
+        <p:spPr/>
+        <p:txBody>
+          <a:bodyPr/>
+          <a:lstStyle/>
+          <a:p>
+            <a:pPr eaLnBrk="1" hangingPunct="1"/>
+            <a:r>
+              <a:rPr lang="en-US" sz="3600" smtClean="0"/>
+              <a:t>Stable Marriage</a:t>
+            </a:r>
+          </a:p>
+        </p:txBody>
+      </p:sp>
+      <p:pic>
+        <p:nvPicPr>
+          <p:cNvPr id="30723" name="Picture 3" descr="ifair99-med"/>
+          <p:cNvPicPr>
+            <a:picLocks noChangeAspect="1" noChangeArrowheads="1"/>
+          </p:cNvPicPr>
+          <p:nvPr/>
+        </p:nvPicPr>
+        <p:blipFill>
+          <a:blip r:embed="rId3"/>
+          <a:srcRect/>
+          <a:stretch>
+            <a:fillRect/>
+          </a:stretch>
+        </p:blipFill>
+        <p:spPr bwMode="auto">
+          <a:xfrm>
+            <a:off x="1025525" y="1165225"/>
+            <a:ext cx="7113588" cy="4948238"/>
+          </a:xfrm>
+          <a:prstGeom prst="rect">
+            <a:avLst/>
+          </a:prstGeom>
+          <a:noFill/>
+          <a:ln w="9525">
+            <a:noFill/>
+            <a:miter lim="800000"/>
+            <a:headEnd/>
+            <a:tailEnd/>
+          </a:ln>
+        </p:spPr>
+      </p:pic>
+      <p:sp>
+        <p:nvSpPr>
+          <p:cNvPr id="30724" name="Slide Number Placeholder 1"/>
+          <p:cNvSpPr>
+            <a:spLocks noGrp="1"/>
+          </p:cNvSpPr>
+          <p:nvPr>
+            <p:ph type="sldNum" sz="quarter" idx="10"/>
+          </p:nvPr>
+        </p:nvSpPr>
+        <p:spPr>
+          <a:noFill/>
+        </p:spPr>
+        <p:txBody>
+          <a:bodyPr/>
+          <a:lstStyle/>
+          <a:p>
+            <a:r>
+              <a:rPr lang="en-US" dirty="0" smtClean="0"/>
+              <a:t>stable.</a:t>
+            </a:r>
+            <a:fld id="{FF8712C4-DC69-4BDF-A3AC-8A5CC2E744F0}" type="slidenum">
+              <a:rPr lang="en-US" smtClean="0"/>
+              <a:pPr/>
+              <a:t>20</a:t>
+            </a:fld>
+            <a:endParaRPr lang="en-US" dirty="0" smtClean="0"/>
+          </a:p>
+        </p:txBody>
+      </p:sp>
+    </p:spTree>
+  </p:cSld>
+  <p:clrMapOvr>
+    <a:masterClrMapping/>
+  </p:clrMapOvr>
+  <p:transition xmlns:p14="http://schemas.microsoft.com/office/powerpoint/2010/main" spd="slow" advClick="0">
+    <p:fade/>
   </p:transition>
   <p:timing>
     <p:tnLst>

--- a/spring13/slides13/stable-matching.pptx
+++ b/spring13/slides13/stable-matching.pptx
@@ -9937,13 +9937,8 @@
             <a:pPr eaLnBrk="1" hangingPunct="1"/>
             <a:r>
               <a:rPr lang="en-US" sz="4800" dirty="0" smtClean="0"/>
-              <a:t>Matching </a:t>
-            </a:r>
-            <a:r>
-              <a:rPr lang="en-US" sz="4800" dirty="0" smtClean="0"/>
-              <a:t>Clients &amp; Servers</a:t>
-            </a:r>
-            <a:endParaRPr lang="en-US" sz="4800" dirty="0" smtClean="0"/>
+              <a:t>Matching Clients &amp; Servers</a:t>
+            </a:r>
           </a:p>
         </p:txBody>
       </p:sp>
@@ -10408,256 +10403,7 @@
   <p:timing>
     <p:tnLst>
       <p:par>
-        <p:cTn xmlns:p14="http://schemas.microsoft.com/office/powerpoint/2010/main" id="1" dur="indefinite" restart="never" nodeType="tmRoot">
-          <p:childTnLst>
-            <p:seq concurrent="1" nextAc="seek">
-              <p:cTn id="2" dur="indefinite" nodeType="mainSeq">
-                <p:childTnLst>
-                  <p:par>
-                    <p:cTn id="3" fill="hold">
-                      <p:stCondLst>
-                        <p:cond delay="indefinite"/>
-                      </p:stCondLst>
-                      <p:childTnLst>
-                        <p:par>
-                          <p:cTn id="4" fill="hold">
-                            <p:stCondLst>
-                              <p:cond delay="0"/>
-                            </p:stCondLst>
-                            <p:childTnLst>
-                              <p:par>
-                                <p:cTn id="5" presetID="10" presetClass="entr" presetSubtype="0" fill="hold" nodeType="clickEffect">
-                                  <p:stCondLst>
-                                    <p:cond delay="0"/>
-                                  </p:stCondLst>
-                                  <p:childTnLst>
-                                    <p:set>
-                                      <p:cBhvr>
-                                        <p:cTn id="6" dur="1" fill="hold">
-                                          <p:stCondLst>
-                                            <p:cond delay="0"/>
-                                          </p:stCondLst>
-                                        </p:cTn>
-                                        <p:tgtEl>
-                                          <p:spTgt spid="583683">
-                                            <p:txEl>
-                                              <p:pRg st="1" end="1"/>
-                                            </p:txEl>
-                                          </p:spTgt>
-                                        </p:tgtEl>
-                                        <p:attrNameLst>
-                                          <p:attrName>style.visibility</p:attrName>
-                                        </p:attrNameLst>
-                                      </p:cBhvr>
-                                      <p:to>
-                                        <p:strVal val="visible"/>
-                                      </p:to>
-                                    </p:set>
-                                    <p:animEffect transition="in" filter="fade">
-                                      <p:cBhvr>
-                                        <p:cTn id="7" dur="500"/>
-                                        <p:tgtEl>
-                                          <p:spTgt spid="583683">
-                                            <p:txEl>
-                                              <p:pRg st="1" end="1"/>
-                                            </p:txEl>
-                                          </p:spTgt>
-                                        </p:tgtEl>
-                                      </p:cBhvr>
-                                    </p:animEffect>
-                                  </p:childTnLst>
-                                </p:cTn>
-                              </p:par>
-                              <p:par>
-                                <p:cTn id="8" presetID="10" presetClass="entr" presetSubtype="0" fill="hold" nodeType="withEffect">
-                                  <p:stCondLst>
-                                    <p:cond delay="0"/>
-                                  </p:stCondLst>
-                                  <p:childTnLst>
-                                    <p:set>
-                                      <p:cBhvr>
-                                        <p:cTn id="9" dur="1" fill="hold">
-                                          <p:stCondLst>
-                                            <p:cond delay="0"/>
-                                          </p:stCondLst>
-                                        </p:cTn>
-                                        <p:tgtEl>
-                                          <p:spTgt spid="583683">
-                                            <p:txEl>
-                                              <p:pRg st="2" end="2"/>
-                                            </p:txEl>
-                                          </p:spTgt>
-                                        </p:tgtEl>
-                                        <p:attrNameLst>
-                                          <p:attrName>style.visibility</p:attrName>
-                                        </p:attrNameLst>
-                                      </p:cBhvr>
-                                      <p:to>
-                                        <p:strVal val="visible"/>
-                                      </p:to>
-                                    </p:set>
-                                    <p:animEffect transition="in" filter="fade">
-                                      <p:cBhvr>
-                                        <p:cTn id="10" dur="500"/>
-                                        <p:tgtEl>
-                                          <p:spTgt spid="583683">
-                                            <p:txEl>
-                                              <p:pRg st="2" end="2"/>
-                                            </p:txEl>
-                                          </p:spTgt>
-                                        </p:tgtEl>
-                                      </p:cBhvr>
-                                    </p:animEffect>
-                                  </p:childTnLst>
-                                </p:cTn>
-                              </p:par>
-                            </p:childTnLst>
-                          </p:cTn>
-                        </p:par>
-                      </p:childTnLst>
-                    </p:cTn>
-                  </p:par>
-                  <p:par>
-                    <p:cTn id="11" fill="hold">
-                      <p:stCondLst>
-                        <p:cond delay="indefinite"/>
-                      </p:stCondLst>
-                      <p:childTnLst>
-                        <p:par>
-                          <p:cTn id="12" fill="hold">
-                            <p:stCondLst>
-                              <p:cond delay="0"/>
-                            </p:stCondLst>
-                            <p:childTnLst>
-                              <p:par>
-                                <p:cTn id="13" presetID="10" presetClass="entr" presetSubtype="0" fill="hold" nodeType="clickEffect">
-                                  <p:stCondLst>
-                                    <p:cond delay="0"/>
-                                  </p:stCondLst>
-                                  <p:childTnLst>
-                                    <p:set>
-                                      <p:cBhvr>
-                                        <p:cTn id="14" dur="1" fill="hold">
-                                          <p:stCondLst>
-                                            <p:cond delay="0"/>
-                                          </p:stCondLst>
-                                        </p:cTn>
-                                        <p:tgtEl>
-                                          <p:spTgt spid="583683">
-                                            <p:txEl>
-                                              <p:pRg st="3" end="3"/>
-                                            </p:txEl>
-                                          </p:spTgt>
-                                        </p:tgtEl>
-                                        <p:attrNameLst>
-                                          <p:attrName>style.visibility</p:attrName>
-                                        </p:attrNameLst>
-                                      </p:cBhvr>
-                                      <p:to>
-                                        <p:strVal val="visible"/>
-                                      </p:to>
-                                    </p:set>
-                                    <p:animEffect transition="in" filter="fade">
-                                      <p:cBhvr>
-                                        <p:cTn id="15" dur="500"/>
-                                        <p:tgtEl>
-                                          <p:spTgt spid="583683">
-                                            <p:txEl>
-                                              <p:pRg st="3" end="3"/>
-                                            </p:txEl>
-                                          </p:spTgt>
-                                        </p:tgtEl>
-                                      </p:cBhvr>
-                                    </p:animEffect>
-                                  </p:childTnLst>
-                                </p:cTn>
-                              </p:par>
-                            </p:childTnLst>
-                          </p:cTn>
-                        </p:par>
-                      </p:childTnLst>
-                    </p:cTn>
-                  </p:par>
-                  <p:par>
-                    <p:cTn id="16" fill="hold">
-                      <p:stCondLst>
-                        <p:cond delay="indefinite"/>
-                      </p:stCondLst>
-                      <p:childTnLst>
-                        <p:par>
-                          <p:cTn id="17" fill="hold">
-                            <p:stCondLst>
-                              <p:cond delay="0"/>
-                            </p:stCondLst>
-                            <p:childTnLst>
-                              <p:par>
-                                <p:cTn id="18" presetID="10" presetClass="entr" presetSubtype="0" fill="hold" nodeType="clickEffect">
-                                  <p:stCondLst>
-                                    <p:cond delay="0"/>
-                                  </p:stCondLst>
-                                  <p:childTnLst>
-                                    <p:set>
-                                      <p:cBhvr>
-                                        <p:cTn id="19" dur="1" fill="hold">
-                                          <p:stCondLst>
-                                            <p:cond delay="0"/>
-                                          </p:stCondLst>
-                                        </p:cTn>
-                                        <p:tgtEl>
-                                          <p:spTgt spid="583683">
-                                            <p:txEl>
-                                              <p:pRg st="4" end="4"/>
-                                            </p:txEl>
-                                          </p:spTgt>
-                                        </p:tgtEl>
-                                        <p:attrNameLst>
-                                          <p:attrName>style.visibility</p:attrName>
-                                        </p:attrNameLst>
-                                      </p:cBhvr>
-                                      <p:to>
-                                        <p:strVal val="visible"/>
-                                      </p:to>
-                                    </p:set>
-                                    <p:animEffect transition="in" filter="fade">
-                                      <p:cBhvr>
-                                        <p:cTn id="20" dur="500"/>
-                                        <p:tgtEl>
-                                          <p:spTgt spid="583683">
-                                            <p:txEl>
-                                              <p:pRg st="4" end="4"/>
-                                            </p:txEl>
-                                          </p:spTgt>
-                                        </p:tgtEl>
-                                      </p:cBhvr>
-                                    </p:animEffect>
-                                  </p:childTnLst>
-                                </p:cTn>
-                              </p:par>
-                            </p:childTnLst>
-                          </p:cTn>
-                        </p:par>
-                      </p:childTnLst>
-                    </p:cTn>
-                  </p:par>
-                </p:childTnLst>
-              </p:cTn>
-              <p:prevCondLst>
-                <p:cond evt="onPrev" delay="0">
-                  <p:tgtEl>
-                    <p:sldTgt/>
-                  </p:tgtEl>
-                </p:cond>
-              </p:prevCondLst>
-              <p:nextCondLst>
-                <p:cond evt="onNext" delay="0">
-                  <p:tgtEl>
-                    <p:sldTgt/>
-                  </p:tgtEl>
-                </p:cond>
-              </p:nextCondLst>
-            </p:seq>
-          </p:childTnLst>
-        </p:cTn>
+        <p:cTn xmlns:p14="http://schemas.microsoft.com/office/powerpoint/2010/main" id="1" dur="indefinite" restart="never" nodeType="tmRoot"/>
       </p:par>
     </p:tnLst>
   </p:timing>

--- a/spring13/slides13/stable-matching.pptx
+++ b/spring13/slides13/stable-matching.pptx
@@ -5,10 +5,10 @@
     <p:sldMasterId id="2147483662" r:id="rId1"/>
   </p:sldMasterIdLst>
   <p:notesMasterIdLst>
-    <p:notesMasterId r:id="rId22"/>
+    <p:notesMasterId r:id="rId23"/>
   </p:notesMasterIdLst>
   <p:handoutMasterIdLst>
-    <p:handoutMasterId r:id="rId23"/>
+    <p:handoutMasterId r:id="rId24"/>
   </p:handoutMasterIdLst>
   <p:sldIdLst>
     <p:sldId id="786" r:id="rId2"/>
@@ -26,16 +26,17 @@
     <p:sldId id="798" r:id="rId14"/>
     <p:sldId id="799" r:id="rId15"/>
     <p:sldId id="800" r:id="rId16"/>
-    <p:sldId id="804" r:id="rId17"/>
-    <p:sldId id="803" r:id="rId18"/>
-    <p:sldId id="807" r:id="rId19"/>
-    <p:sldId id="805" r:id="rId20"/>
-    <p:sldId id="806" r:id="rId21"/>
+    <p:sldId id="808" r:id="rId17"/>
+    <p:sldId id="804" r:id="rId18"/>
+    <p:sldId id="803" r:id="rId19"/>
+    <p:sldId id="807" r:id="rId20"/>
+    <p:sldId id="805" r:id="rId21"/>
+    <p:sldId id="806" r:id="rId22"/>
   </p:sldIdLst>
   <p:sldSz cx="9144000" cy="6858000" type="screen4x3"/>
   <p:notesSz cx="9601200" cy="7315200"/>
   <p:custDataLst>
-    <p:tags r:id="rId25"/>
+    <p:tags r:id="rId26"/>
   </p:custDataLst>
   <p:defaultTextStyle>
     <a:defPPr>
@@ -1510,7 +1511,7 @@
       </p:grpSpPr>
       <p:sp>
         <p:nvSpPr>
-          <p:cNvPr id="77826" name="Rectangle 7"/>
+          <p:cNvPr id="61442" name="Rectangle 7"/>
           <p:cNvSpPr>
             <a:spLocks noGrp="1" noChangeArrowheads="1"/>
           </p:cNvSpPr>
@@ -1525,7 +1526,7 @@
           <a:bodyPr/>
           <a:lstStyle/>
           <a:p>
-            <a:fld id="{25470877-DF25-4170-830B-1A676786250E}" type="slidenum">
+            <a:fld id="{32C7C0F5-24B4-4E48-9DF5-1D5B033A10B7}" type="slidenum">
               <a:rPr lang="en-US" smtClean="0"/>
               <a:pPr/>
               <a:t>16</a:t>
@@ -1536,7 +1537,7 @@
       </p:sp>
       <p:sp>
         <p:nvSpPr>
-          <p:cNvPr id="77827" name="Rectangle 2"/>
+          <p:cNvPr id="61443" name="Rectangle 2"/>
           <p:cNvSpPr>
             <a:spLocks noGrp="1" noRot="1" noChangeAspect="1" noChangeArrowheads="1" noTextEdit="1"/>
           </p:cNvSpPr>
@@ -1550,7 +1551,7 @@
       </p:sp>
       <p:sp>
         <p:nvSpPr>
-          <p:cNvPr id="77828" name="Rectangle 3"/>
+          <p:cNvPr id="61444" name="Rectangle 3"/>
           <p:cNvSpPr>
             <a:spLocks noGrp="1" noChangeArrowheads="1"/>
           </p:cNvSpPr>
@@ -1598,7 +1599,7 @@
       </p:grpSpPr>
       <p:sp>
         <p:nvSpPr>
-          <p:cNvPr id="76802" name="Rectangle 7"/>
+          <p:cNvPr id="77826" name="Rectangle 7"/>
           <p:cNvSpPr>
             <a:spLocks noGrp="1" noChangeArrowheads="1"/>
           </p:cNvSpPr>
@@ -1613,7 +1614,7 @@
           <a:bodyPr/>
           <a:lstStyle/>
           <a:p>
-            <a:fld id="{14CA83AA-7D44-404C-8C75-2B192AADC848}" type="slidenum">
+            <a:fld id="{25470877-DF25-4170-830B-1A676786250E}" type="slidenum">
               <a:rPr lang="en-US" smtClean="0"/>
               <a:pPr/>
               <a:t>17</a:t>
@@ -1624,7 +1625,7 @@
       </p:sp>
       <p:sp>
         <p:nvSpPr>
-          <p:cNvPr id="76803" name="Rectangle 2"/>
+          <p:cNvPr id="77827" name="Rectangle 2"/>
           <p:cNvSpPr>
             <a:spLocks noGrp="1" noRot="1" noChangeAspect="1" noChangeArrowheads="1" noTextEdit="1"/>
           </p:cNvSpPr>
@@ -1638,7 +1639,7 @@
       </p:sp>
       <p:sp>
         <p:nvSpPr>
-          <p:cNvPr id="76804" name="Rectangle 3"/>
+          <p:cNvPr id="77828" name="Rectangle 3"/>
           <p:cNvSpPr>
             <a:spLocks noGrp="1" noChangeArrowheads="1"/>
           </p:cNvSpPr>
@@ -1686,7 +1687,7 @@
       </p:grpSpPr>
       <p:sp>
         <p:nvSpPr>
-          <p:cNvPr id="78850" name="Rectangle 7"/>
+          <p:cNvPr id="76802" name="Rectangle 7"/>
           <p:cNvSpPr>
             <a:spLocks noGrp="1" noChangeArrowheads="1"/>
           </p:cNvSpPr>
@@ -1701,7 +1702,7 @@
           <a:bodyPr/>
           <a:lstStyle/>
           <a:p>
-            <a:fld id="{E875BA45-4AB8-48C1-A27B-78FC7B0BE89C}" type="slidenum">
+            <a:fld id="{14CA83AA-7D44-404C-8C75-2B192AADC848}" type="slidenum">
               <a:rPr lang="en-US" smtClean="0"/>
               <a:pPr/>
               <a:t>18</a:t>
@@ -1712,7 +1713,7 @@
       </p:sp>
       <p:sp>
         <p:nvSpPr>
-          <p:cNvPr id="78851" name="Rectangle 2"/>
+          <p:cNvPr id="76803" name="Rectangle 2"/>
           <p:cNvSpPr>
             <a:spLocks noGrp="1" noRot="1" noChangeAspect="1" noChangeArrowheads="1" noTextEdit="1"/>
           </p:cNvSpPr>
@@ -1726,7 +1727,7 @@
       </p:sp>
       <p:sp>
         <p:nvSpPr>
-          <p:cNvPr id="78852" name="Rectangle 3"/>
+          <p:cNvPr id="76804" name="Rectangle 3"/>
           <p:cNvSpPr>
             <a:spLocks noGrp="1" noChangeArrowheads="1"/>
           </p:cNvSpPr>
@@ -1950,6 +1951,94 @@
       </p:grpSpPr>
       <p:sp>
         <p:nvSpPr>
+          <p:cNvPr id="78850" name="Rectangle 7"/>
+          <p:cNvSpPr>
+            <a:spLocks noGrp="1" noChangeArrowheads="1"/>
+          </p:cNvSpPr>
+          <p:nvPr>
+            <p:ph type="sldNum" sz="quarter" idx="5"/>
+          </p:nvPr>
+        </p:nvSpPr>
+        <p:spPr>
+          <a:noFill/>
+        </p:spPr>
+        <p:txBody>
+          <a:bodyPr/>
+          <a:lstStyle/>
+          <a:p>
+            <a:fld id="{E875BA45-4AB8-48C1-A27B-78FC7B0BE89C}" type="slidenum">
+              <a:rPr lang="en-US" smtClean="0"/>
+              <a:pPr/>
+              <a:t>20</a:t>
+            </a:fld>
+            <a:endParaRPr lang="en-US" smtClean="0"/>
+          </a:p>
+        </p:txBody>
+      </p:sp>
+      <p:sp>
+        <p:nvSpPr>
+          <p:cNvPr id="78851" name="Rectangle 2"/>
+          <p:cNvSpPr>
+            <a:spLocks noGrp="1" noRot="1" noChangeAspect="1" noChangeArrowheads="1" noTextEdit="1"/>
+          </p:cNvSpPr>
+          <p:nvPr>
+            <p:ph type="sldImg"/>
+          </p:nvPr>
+        </p:nvSpPr>
+        <p:spPr>
+          <a:ln/>
+        </p:spPr>
+      </p:sp>
+      <p:sp>
+        <p:nvSpPr>
+          <p:cNvPr id="78852" name="Rectangle 3"/>
+          <p:cNvSpPr>
+            <a:spLocks noGrp="1" noChangeArrowheads="1"/>
+          </p:cNvSpPr>
+          <p:nvPr>
+            <p:ph type="body" idx="1"/>
+          </p:nvPr>
+        </p:nvSpPr>
+        <p:spPr>
+          <a:noFill/>
+          <a:ln/>
+        </p:spPr>
+        <p:txBody>
+          <a:bodyPr/>
+          <a:lstStyle/>
+          <a:p>
+            <a:pPr eaLnBrk="1" hangingPunct="1"/>
+            <a:endParaRPr lang="en-US" smtClean="0"/>
+          </a:p>
+        </p:txBody>
+      </p:sp>
+    </p:spTree>
+  </p:cSld>
+  <p:clrMapOvr>
+    <a:masterClrMapping/>
+  </p:clrMapOvr>
+</p:notes>
+</file>
+
+<file path=ppt/notesSlides/notesSlide21.xml><?xml version="1.0" encoding="utf-8"?>
+<p:notes xmlns:a="http://schemas.openxmlformats.org/drawingml/2006/main" xmlns:r="http://schemas.openxmlformats.org/officeDocument/2006/relationships" xmlns:p="http://schemas.openxmlformats.org/presentationml/2006/main">
+  <p:cSld>
+    <p:spTree>
+      <p:nvGrpSpPr>
+        <p:cNvPr id="1" name=""/>
+        <p:cNvGrpSpPr/>
+        <p:nvPr/>
+      </p:nvGrpSpPr>
+      <p:grpSpPr>
+        <a:xfrm>
+          <a:off x="0" y="0"/>
+          <a:ext cx="0" cy="0"/>
+          <a:chOff x="0" y="0"/>
+          <a:chExt cx="0" cy="0"/>
+        </a:xfrm>
+      </p:grpSpPr>
+      <p:sp>
+        <p:nvSpPr>
           <p:cNvPr id="79874" name="Rectangle 7"/>
           <p:cNvSpPr>
             <a:spLocks noGrp="1" noChangeArrowheads="1"/>
@@ -1968,7 +2057,7 @@
             <a:fld id="{DCE07B4D-D49A-486A-AE90-2F39BE6407E2}" type="slidenum">
               <a:rPr lang="en-US" smtClean="0"/>
               <a:pPr/>
-              <a:t>20</a:t>
+              <a:t>21</a:t>
             </a:fld>
             <a:endParaRPr lang="en-US" smtClean="0"/>
           </a:p>
@@ -7971,7 +8060,7 @@
       </p:grpSpPr>
       <p:sp>
         <p:nvSpPr>
-          <p:cNvPr id="28674" name="Rectangle 2"/>
+          <p:cNvPr id="12290" name="Rectangle 2"/>
           <p:cNvSpPr>
             <a:spLocks noGrp="1" noChangeArrowheads="1"/>
           </p:cNvSpPr>
@@ -7979,27 +8068,22 @@
             <p:ph type="title"/>
           </p:nvPr>
         </p:nvSpPr>
-        <p:spPr>
-          <a:xfrm>
-            <a:off x="1845557" y="87920"/>
-            <a:ext cx="5427785" cy="949572"/>
-          </a:xfrm>
-        </p:spPr>
+        <p:spPr/>
         <p:txBody>
           <a:bodyPr/>
           <a:lstStyle/>
           <a:p>
             <a:pPr eaLnBrk="1" hangingPunct="1"/>
             <a:r>
-              <a:rPr lang="en-US" dirty="0" smtClean="0"/>
-              <a:t>Stable Marriage I.</a:t>
-            </a:r>
-          </a:p>
-        </p:txBody>
-      </p:sp>
-      <p:sp>
-        <p:nvSpPr>
-          <p:cNvPr id="28675" name="Text Box 3"/>
+              <a:rPr lang="en-US" sz="3600" smtClean="0"/>
+              <a:t>Stable Marriage</a:t>
+            </a:r>
+          </a:p>
+        </p:txBody>
+      </p:sp>
+      <p:sp>
+        <p:nvSpPr>
+          <p:cNvPr id="12291" name="Text Box 3"/>
           <p:cNvSpPr txBox="1">
             <a:spLocks noChangeArrowheads="1"/>
           </p:cNvSpPr>
@@ -8007,8 +8091,128 @@
         </p:nvSpPr>
         <p:spPr bwMode="auto">
           <a:xfrm>
-            <a:off x="1287749" y="2705100"/>
-            <a:ext cx="857927" cy="584775"/>
+            <a:off x="1562100" y="2159000"/>
+            <a:ext cx="6019800" cy="4130361"/>
+          </a:xfrm>
+          <a:prstGeom prst="rect">
+            <a:avLst/>
+          </a:prstGeom>
+          <a:noFill/>
+          <a:ln w="9525">
+            <a:noFill/>
+            <a:miter lim="800000"/>
+            <a:headEnd/>
+            <a:tailEnd type="none" w="lg" len="lg"/>
+          </a:ln>
+        </p:spPr>
+        <p:txBody>
+          <a:bodyPr>
+            <a:spAutoFit/>
+          </a:bodyPr>
+          <a:lstStyle/>
+          <a:p>
+            <a:pPr>
+              <a:buNone/>
+            </a:pPr>
+            <a:r>
+              <a:rPr lang="en-US" dirty="0">
+                <a:latin typeface="Comic Sans MS" pitchFamily="66" charset="0"/>
+              </a:rPr>
+              <a:t>Boys			Girls</a:t>
+            </a:r>
+          </a:p>
+          <a:p>
+            <a:pPr>
+              <a:buNone/>
+            </a:pPr>
+            <a:r>
+              <a:rPr lang="en-US" dirty="0" smtClean="0">
+                <a:latin typeface="Comic Sans MS" pitchFamily="66" charset="0"/>
+              </a:rPr>
+              <a:t>1 : CBEAD</a:t>
+            </a:r>
+            <a:r>
+              <a:rPr lang="en-US" dirty="0">
+                <a:latin typeface="Comic Sans MS" pitchFamily="66" charset="0"/>
+              </a:rPr>
+              <a:t>		A : 35214</a:t>
+            </a:r>
+          </a:p>
+          <a:p>
+            <a:pPr>
+              <a:buNone/>
+            </a:pPr>
+            <a:r>
+              <a:rPr lang="en-US" dirty="0">
+                <a:latin typeface="Comic Sans MS" pitchFamily="66" charset="0"/>
+              </a:rPr>
+              <a:t>2 : ABECD 		B : 52143</a:t>
+            </a:r>
+          </a:p>
+          <a:p>
+            <a:pPr>
+              <a:buNone/>
+            </a:pPr>
+            <a:r>
+              <a:rPr lang="en-US" dirty="0">
+                <a:latin typeface="Comic Sans MS" pitchFamily="66" charset="0"/>
+              </a:rPr>
+              <a:t>3 : DCBAE 		C : 43512</a:t>
+            </a:r>
+          </a:p>
+          <a:p>
+            <a:pPr>
+              <a:buNone/>
+            </a:pPr>
+            <a:r>
+              <a:rPr lang="en-US" dirty="0">
+                <a:latin typeface="Comic Sans MS" pitchFamily="66" charset="0"/>
+              </a:rPr>
+              <a:t>4 : ACDBE 		D : 12345</a:t>
+            </a:r>
+          </a:p>
+          <a:p>
+            <a:pPr>
+              <a:buNone/>
+            </a:pPr>
+            <a:r>
+              <a:rPr lang="en-US" dirty="0">
+                <a:latin typeface="Comic Sans MS" pitchFamily="66" charset="0"/>
+              </a:rPr>
+              <a:t>5 : ABDEC 		E : </a:t>
+            </a:r>
+            <a:r>
+              <a:rPr lang="en-US" dirty="0" smtClean="0">
+                <a:latin typeface="Comic Sans MS" pitchFamily="66" charset="0"/>
+              </a:rPr>
+              <a:t>23415</a:t>
+            </a:r>
+            <a:endParaRPr lang="en-US" dirty="0">
+              <a:latin typeface="Comic Sans MS" pitchFamily="66" charset="0"/>
+            </a:endParaRPr>
+          </a:p>
+          <a:p>
+            <a:pPr>
+              <a:buNone/>
+            </a:pPr>
+            <a:endParaRPr lang="en-US" sz="3200" dirty="0">
+              <a:latin typeface="Comic Sans MS" pitchFamily="66" charset="0"/>
+            </a:endParaRPr>
+          </a:p>
+        </p:txBody>
+      </p:sp>
+      <p:sp>
+        <p:nvSpPr>
+          <p:cNvPr id="12292" name="Text Box 4"/>
+          <p:cNvSpPr txBox="1">
+            <a:spLocks noChangeArrowheads="1"/>
+          </p:cNvSpPr>
+          <p:nvPr/>
+        </p:nvSpPr>
+        <p:spPr bwMode="auto">
+          <a:xfrm>
+            <a:off x="2762479" y="1023327"/>
+            <a:ext cx="3695242" cy="830997"/>
           </a:xfrm>
           <a:prstGeom prst="rect">
             <a:avLst/>
@@ -8031,17 +8235,20 @@
               <a:buNone/>
             </a:pPr>
             <a:r>
-              <a:rPr lang="en-US" sz="3200">
+              <a:rPr lang="en-US" sz="4800" dirty="0" smtClean="0">
                 <a:latin typeface="Comic Sans MS" pitchFamily="66" charset="0"/>
               </a:rPr>
-              <a:t>3 A</a:t>
-            </a:r>
+              <a:t>Preferences</a:t>
+            </a:r>
+            <a:endParaRPr lang="en-US" sz="4800" dirty="0">
+              <a:latin typeface="Comic Sans MS" pitchFamily="66" charset="0"/>
+            </a:endParaRPr>
           </a:p>
         </p:txBody>
       </p:sp>
       <p:pic>
         <p:nvPicPr>
-          <p:cNvPr id="28676" name="Picture 4" descr="j0232890[1]"/>
+          <p:cNvPr id="12293" name="Picture 5" descr="j0232890[1]"/>
           <p:cNvPicPr>
             <a:picLocks noChangeAspect="1" noChangeArrowheads="1"/>
           </p:cNvPicPr>
@@ -8056,8 +8263,8 @@
         </p:blipFill>
         <p:spPr bwMode="auto">
           <a:xfrm>
-            <a:off x="1041687" y="1501775"/>
-            <a:ext cx="839787" cy="1236663"/>
+            <a:off x="1168400" y="2662238"/>
+            <a:ext cx="400050" cy="588962"/>
           </a:xfrm>
           <a:prstGeom prst="rect">
             <a:avLst/>
@@ -8073,7 +8280,7 @@
       </p:pic>
       <p:pic>
         <p:nvPicPr>
-          <p:cNvPr id="28677" name="Picture 5" descr="j0135033[1]"/>
+          <p:cNvPr id="12294" name="Picture 6" descr="j0232890[1]"/>
           <p:cNvPicPr>
             <a:picLocks noChangeAspect="1" noChangeArrowheads="1"/>
           </p:cNvPicPr>
@@ -8088,8 +8295,8 @@
         </p:blipFill>
         <p:spPr bwMode="auto">
           <a:xfrm>
-            <a:off x="1751299" y="1525588"/>
-            <a:ext cx="509588" cy="1138237"/>
+            <a:off x="1143000" y="3251200"/>
+            <a:ext cx="400050" cy="588963"/>
           </a:xfrm>
           <a:prstGeom prst="rect">
             <a:avLst/>
@@ -8103,51 +8310,9 @@
           </a:ln>
         </p:spPr>
       </p:pic>
-      <p:sp>
-        <p:nvSpPr>
-          <p:cNvPr id="28678" name="Text Box 6"/>
-          <p:cNvSpPr txBox="1">
-            <a:spLocks noChangeArrowheads="1"/>
-          </p:cNvSpPr>
-          <p:nvPr/>
-        </p:nvSpPr>
-        <p:spPr bwMode="auto">
-          <a:xfrm>
-            <a:off x="4221449" y="2754313"/>
-            <a:ext cx="816249" cy="584775"/>
-          </a:xfrm>
-          <a:prstGeom prst="rect">
-            <a:avLst/>
-          </a:prstGeom>
-          <a:noFill/>
-          <a:ln w="9525">
-            <a:noFill/>
-            <a:miter lim="800000"/>
-            <a:headEnd/>
-            <a:tailEnd type="none" w="lg" len="lg"/>
-          </a:ln>
-        </p:spPr>
-        <p:txBody>
-          <a:bodyPr wrap="none">
-            <a:spAutoFit/>
-          </a:bodyPr>
-          <a:lstStyle/>
-          <a:p>
-            <a:pPr>
-              <a:buNone/>
-            </a:pPr>
-            <a:r>
-              <a:rPr lang="en-US" sz="3200">
-                <a:latin typeface="Comic Sans MS" pitchFamily="66" charset="0"/>
-              </a:rPr>
-              <a:t>5 B</a:t>
-            </a:r>
-          </a:p>
-        </p:txBody>
-      </p:sp>
       <p:pic>
         <p:nvPicPr>
-          <p:cNvPr id="28679" name="Picture 7" descr="j0232890[1]"/>
+          <p:cNvPr id="12295" name="Picture 7" descr="j0232890[1]"/>
           <p:cNvPicPr>
             <a:picLocks noChangeAspect="1" noChangeArrowheads="1"/>
           </p:cNvPicPr>
@@ -8162,8 +8327,8 @@
         </p:blipFill>
         <p:spPr bwMode="auto">
           <a:xfrm>
-            <a:off x="4019837" y="1550988"/>
-            <a:ext cx="839787" cy="1236662"/>
+            <a:off x="1143000" y="3784600"/>
+            <a:ext cx="400050" cy="588963"/>
           </a:xfrm>
           <a:prstGeom prst="rect">
             <a:avLst/>
@@ -8179,7 +8344,7 @@
       </p:pic>
       <p:pic>
         <p:nvPicPr>
-          <p:cNvPr id="28680" name="Picture 8" descr="j0135033[1]"/>
+          <p:cNvPr id="12296" name="Picture 8" descr="j0232890[1]"/>
           <p:cNvPicPr>
             <a:picLocks noChangeAspect="1" noChangeArrowheads="1"/>
           </p:cNvPicPr>
@@ -8194,8 +8359,8 @@
         </p:blipFill>
         <p:spPr bwMode="auto">
           <a:xfrm>
-            <a:off x="4731037" y="1600200"/>
-            <a:ext cx="509587" cy="1138238"/>
+            <a:off x="1143000" y="4368800"/>
+            <a:ext cx="400050" cy="588963"/>
           </a:xfrm>
           <a:prstGeom prst="rect">
             <a:avLst/>
@@ -8209,51 +8374,9 @@
           </a:ln>
         </p:spPr>
       </p:pic>
-      <p:sp>
-        <p:nvSpPr>
-          <p:cNvPr id="28681" name="Text Box 9"/>
-          <p:cNvSpPr txBox="1">
-            <a:spLocks noChangeArrowheads="1"/>
-          </p:cNvSpPr>
-          <p:nvPr/>
-        </p:nvSpPr>
-        <p:spPr bwMode="auto">
-          <a:xfrm>
-            <a:off x="7009099" y="2697163"/>
-            <a:ext cx="805029" cy="584775"/>
-          </a:xfrm>
-          <a:prstGeom prst="rect">
-            <a:avLst/>
-          </a:prstGeom>
-          <a:noFill/>
-          <a:ln w="9525">
-            <a:noFill/>
-            <a:miter lim="800000"/>
-            <a:headEnd/>
-            <a:tailEnd type="none" w="lg" len="lg"/>
-          </a:ln>
-        </p:spPr>
-        <p:txBody>
-          <a:bodyPr wrap="none">
-            <a:spAutoFit/>
-          </a:bodyPr>
-          <a:lstStyle/>
-          <a:p>
-            <a:pPr>
-              <a:buNone/>
-            </a:pPr>
-            <a:r>
-              <a:rPr lang="en-US" sz="3200">
-                <a:latin typeface="Comic Sans MS" pitchFamily="66" charset="0"/>
-              </a:rPr>
-              <a:t>4 C</a:t>
-            </a:r>
-          </a:p>
-        </p:txBody>
-      </p:sp>
       <p:pic>
         <p:nvPicPr>
-          <p:cNvPr id="28682" name="Picture 10" descr="j0232890[1]"/>
+          <p:cNvPr id="12297" name="Picture 9" descr="j0232890[1]"/>
           <p:cNvPicPr>
             <a:picLocks noChangeAspect="1" noChangeArrowheads="1"/>
           </p:cNvPicPr>
@@ -8268,8 +8391,8 @@
         </p:blipFill>
         <p:spPr bwMode="auto">
           <a:xfrm>
-            <a:off x="6812249" y="1517650"/>
-            <a:ext cx="839788" cy="1236663"/>
+            <a:off x="1143000" y="4953000"/>
+            <a:ext cx="400050" cy="588963"/>
           </a:xfrm>
           <a:prstGeom prst="rect">
             <a:avLst/>
@@ -8285,7 +8408,7 @@
       </p:pic>
       <p:pic>
         <p:nvPicPr>
-          <p:cNvPr id="28683" name="Picture 11" descr="j0135033[1]"/>
+          <p:cNvPr id="12298" name="Picture 10" descr="j0135033[1]"/>
           <p:cNvPicPr>
             <a:picLocks noChangeAspect="1" noChangeArrowheads="1"/>
           </p:cNvPicPr>
@@ -8300,8 +8423,8 @@
         </p:blipFill>
         <p:spPr bwMode="auto">
           <a:xfrm>
-            <a:off x="7474237" y="1541463"/>
-            <a:ext cx="509587" cy="1138237"/>
+            <a:off x="4978400" y="4394200"/>
+            <a:ext cx="244475" cy="546100"/>
           </a:xfrm>
           <a:prstGeom prst="rect">
             <a:avLst/>
@@ -8315,51 +8438,9 @@
           </a:ln>
         </p:spPr>
       </p:pic>
-      <p:sp>
-        <p:nvSpPr>
-          <p:cNvPr id="28684" name="Text Box 12"/>
-          <p:cNvSpPr txBox="1">
-            <a:spLocks noChangeArrowheads="1"/>
-          </p:cNvSpPr>
-          <p:nvPr/>
-        </p:nvSpPr>
-        <p:spPr bwMode="auto">
-          <a:xfrm>
-            <a:off x="2730787" y="4641850"/>
-            <a:ext cx="782637" cy="579438"/>
-          </a:xfrm>
-          <a:prstGeom prst="rect">
-            <a:avLst/>
-          </a:prstGeom>
-          <a:noFill/>
-          <a:ln w="9525">
-            <a:noFill/>
-            <a:miter lim="800000"/>
-            <a:headEnd/>
-            <a:tailEnd type="none" w="lg" len="lg"/>
-          </a:ln>
-        </p:spPr>
-        <p:txBody>
-          <a:bodyPr wrap="none">
-            <a:spAutoFit/>
-          </a:bodyPr>
-          <a:lstStyle/>
-          <a:p>
-            <a:pPr>
-              <a:buNone/>
-            </a:pPr>
-            <a:r>
-              <a:rPr lang="en-US" sz="3200">
-                <a:latin typeface="Comic Sans MS" pitchFamily="66" charset="0"/>
-              </a:rPr>
-              <a:t>1 D</a:t>
-            </a:r>
-          </a:p>
-        </p:txBody>
-      </p:sp>
       <p:pic>
         <p:nvPicPr>
-          <p:cNvPr id="28685" name="Picture 13" descr="j0232890[1]"/>
+          <p:cNvPr id="12299" name="Picture 11" descr="j0135033[1]"/>
           <p:cNvPicPr>
             <a:picLocks noChangeAspect="1" noChangeArrowheads="1"/>
           </p:cNvPicPr>
@@ -8374,8 +8455,8 @@
         </p:blipFill>
         <p:spPr bwMode="auto">
           <a:xfrm>
-            <a:off x="2594262" y="3349625"/>
-            <a:ext cx="839787" cy="1236663"/>
+            <a:off x="4978400" y="3810000"/>
+            <a:ext cx="244475" cy="546100"/>
           </a:xfrm>
           <a:prstGeom prst="rect">
             <a:avLst/>
@@ -8391,7 +8472,7 @@
       </p:pic>
       <p:pic>
         <p:nvPicPr>
-          <p:cNvPr id="28686" name="Picture 14" descr="j0135033[1]"/>
+          <p:cNvPr id="12300" name="Picture 12" descr="j0135033[1]"/>
           <p:cNvPicPr>
             <a:picLocks noChangeAspect="1" noChangeArrowheads="1"/>
           </p:cNvPicPr>
@@ -8406,8 +8487,8 @@
         </p:blipFill>
         <p:spPr bwMode="auto">
           <a:xfrm>
-            <a:off x="3245137" y="3373438"/>
-            <a:ext cx="509587" cy="1138237"/>
+            <a:off x="4978400" y="3251200"/>
+            <a:ext cx="244475" cy="546100"/>
           </a:xfrm>
           <a:prstGeom prst="rect">
             <a:avLst/>
@@ -8421,51 +8502,9 @@
           </a:ln>
         </p:spPr>
       </p:pic>
-      <p:sp>
-        <p:nvSpPr>
-          <p:cNvPr id="28687" name="Text Box 15"/>
-          <p:cNvSpPr txBox="1">
-            <a:spLocks noChangeArrowheads="1"/>
-          </p:cNvSpPr>
-          <p:nvPr/>
-        </p:nvSpPr>
-        <p:spPr bwMode="auto">
-          <a:xfrm>
-            <a:off x="5786724" y="4614863"/>
-            <a:ext cx="814647" cy="584775"/>
-          </a:xfrm>
-          <a:prstGeom prst="rect">
-            <a:avLst/>
-          </a:prstGeom>
-          <a:noFill/>
-          <a:ln w="9525">
-            <a:noFill/>
-            <a:miter lim="800000"/>
-            <a:headEnd/>
-            <a:tailEnd type="none" w="lg" len="lg"/>
-          </a:ln>
-        </p:spPr>
-        <p:txBody>
-          <a:bodyPr wrap="none">
-            <a:spAutoFit/>
-          </a:bodyPr>
-          <a:lstStyle/>
-          <a:p>
-            <a:pPr>
-              <a:buNone/>
-            </a:pPr>
-            <a:r>
-              <a:rPr lang="en-US" sz="3200">
-                <a:latin typeface="Comic Sans MS" pitchFamily="66" charset="0"/>
-              </a:rPr>
-              <a:t>2 E</a:t>
-            </a:r>
-          </a:p>
-        </p:txBody>
-      </p:sp>
       <p:pic>
         <p:nvPicPr>
-          <p:cNvPr id="28688" name="Picture 16" descr="j0232890[1]"/>
+          <p:cNvPr id="12301" name="Picture 13" descr="j0135033[1]"/>
           <p:cNvPicPr>
             <a:picLocks noChangeAspect="1" noChangeArrowheads="1"/>
           </p:cNvPicPr>
@@ -8480,8 +8519,8 @@
         </p:blipFill>
         <p:spPr bwMode="auto">
           <a:xfrm>
-            <a:off x="5516849" y="3371850"/>
-            <a:ext cx="839788" cy="1236663"/>
+            <a:off x="4953000" y="2705100"/>
+            <a:ext cx="244475" cy="546100"/>
           </a:xfrm>
           <a:prstGeom prst="rect">
             <a:avLst/>
@@ -8497,7 +8536,7 @@
       </p:pic>
       <p:pic>
         <p:nvPicPr>
-          <p:cNvPr id="28689" name="Picture 17" descr="j0135033[1]"/>
+          <p:cNvPr id="12302" name="Picture 14" descr="j0135033[1]"/>
           <p:cNvPicPr>
             <a:picLocks noChangeAspect="1" noChangeArrowheads="1"/>
           </p:cNvPicPr>
@@ -8512,6 +8551,713 @@
         </p:blipFill>
         <p:spPr bwMode="auto">
           <a:xfrm>
+            <a:off x="4978400" y="4953000"/>
+            <a:ext cx="244475" cy="546100"/>
+          </a:xfrm>
+          <a:prstGeom prst="rect">
+            <a:avLst/>
+          </a:prstGeom>
+          <a:noFill/>
+          <a:ln w="9525">
+            <a:noFill/>
+            <a:miter lim="800000"/>
+            <a:headEnd/>
+            <a:tailEnd/>
+          </a:ln>
+        </p:spPr>
+      </p:pic>
+      <p:sp>
+        <p:nvSpPr>
+          <p:cNvPr id="12303" name="Slide Number Placeholder 1"/>
+          <p:cNvSpPr>
+            <a:spLocks noGrp="1"/>
+          </p:cNvSpPr>
+          <p:nvPr>
+            <p:ph type="sldNum" sz="quarter" idx="10"/>
+          </p:nvPr>
+        </p:nvSpPr>
+        <p:spPr>
+          <a:noFill/>
+        </p:spPr>
+        <p:txBody>
+          <a:bodyPr/>
+          <a:lstStyle/>
+          <a:p>
+            <a:r>
+              <a:rPr lang="en-US" dirty="0" smtClean="0"/>
+              <a:t>stable.</a:t>
+            </a:r>
+            <a:fld id="{C0BF01FB-F263-430F-8EA4-534DA2179AEB}" type="slidenum">
+              <a:rPr lang="en-US" smtClean="0"/>
+              <a:pPr/>
+              <a:t>16</a:t>
+            </a:fld>
+            <a:endParaRPr lang="en-US" dirty="0" smtClean="0"/>
+          </a:p>
+        </p:txBody>
+      </p:sp>
+    </p:spTree>
+    <p:extLst>
+      <p:ext uri="{BB962C8B-B14F-4D97-AF65-F5344CB8AC3E}">
+        <p14:creationId xmlns:p14="http://schemas.microsoft.com/office/powerpoint/2010/main" val="1730264617"/>
+      </p:ext>
+    </p:extLst>
+  </p:cSld>
+  <p:clrMapOvr>
+    <a:masterClrMapping/>
+  </p:clrMapOvr>
+  <p:transition xmlns:p14="http://schemas.microsoft.com/office/powerpoint/2010/main" spd="slow" advClick="0">
+    <p:fade/>
+  </p:transition>
+  <p:timing>
+    <p:tnLst>
+      <p:par>
+        <p:cTn xmlns:p14="http://schemas.microsoft.com/office/powerpoint/2010/main" id="1" dur="indefinite" restart="never" nodeType="tmRoot">
+          <p:childTnLst>
+            <p:seq concurrent="1" nextAc="seek">
+              <p:cTn id="2" dur="indefinite" nodeType="mainSeq">
+                <p:childTnLst>
+                  <p:par>
+                    <p:cTn id="3" fill="hold">
+                      <p:stCondLst>
+                        <p:cond delay="indefinite"/>
+                      </p:stCondLst>
+                      <p:childTnLst>
+                        <p:par>
+                          <p:cTn id="4" fill="hold">
+                            <p:stCondLst>
+                              <p:cond delay="0"/>
+                            </p:stCondLst>
+                            <p:childTnLst>
+                              <p:par>
+                                <p:cTn id="5" presetID="22" presetClass="entr" presetSubtype="1" fill="hold" grpId="0" nodeType="clickEffect">
+                                  <p:stCondLst>
+                                    <p:cond delay="0"/>
+                                  </p:stCondLst>
+                                  <p:childTnLst>
+                                    <p:set>
+                                      <p:cBhvr>
+                                        <p:cTn id="6" dur="1" fill="hold">
+                                          <p:stCondLst>
+                                            <p:cond delay="0"/>
+                                          </p:stCondLst>
+                                        </p:cTn>
+                                        <p:tgtEl>
+                                          <p:spTgt spid="12291"/>
+                                        </p:tgtEl>
+                                        <p:attrNameLst>
+                                          <p:attrName>style.visibility</p:attrName>
+                                        </p:attrNameLst>
+                                      </p:cBhvr>
+                                      <p:to>
+                                        <p:strVal val="visible"/>
+                                      </p:to>
+                                    </p:set>
+                                    <p:animEffect transition="in" filter="wipe(up)">
+                                      <p:cBhvr>
+                                        <p:cTn id="7" dur="1000"/>
+                                        <p:tgtEl>
+                                          <p:spTgt spid="12291"/>
+                                        </p:tgtEl>
+                                      </p:cBhvr>
+                                    </p:animEffect>
+                                  </p:childTnLst>
+                                </p:cTn>
+                              </p:par>
+                            </p:childTnLst>
+                          </p:cTn>
+                        </p:par>
+                      </p:childTnLst>
+                    </p:cTn>
+                  </p:par>
+                </p:childTnLst>
+              </p:cTn>
+              <p:prevCondLst>
+                <p:cond evt="onPrev" delay="0">
+                  <p:tgtEl>
+                    <p:sldTgt/>
+                  </p:tgtEl>
+                </p:cond>
+              </p:prevCondLst>
+              <p:nextCondLst>
+                <p:cond evt="onNext" delay="0">
+                  <p:tgtEl>
+                    <p:sldTgt/>
+                  </p:tgtEl>
+                </p:cond>
+              </p:nextCondLst>
+            </p:seq>
+          </p:childTnLst>
+        </p:cTn>
+      </p:par>
+    </p:tnLst>
+    <p:bldLst>
+      <p:bldP spid="12291" grpId="0"/>
+    </p:bldLst>
+  </p:timing>
+</p:sld>
+</file>
+
+<file path=ppt/slides/slide17.xml><?xml version="1.0" encoding="utf-8"?>
+<p:sld xmlns:a="http://schemas.openxmlformats.org/drawingml/2006/main" xmlns:r="http://schemas.openxmlformats.org/officeDocument/2006/relationships" xmlns:p="http://schemas.openxmlformats.org/presentationml/2006/main">
+  <p:cSld>
+    <p:spTree>
+      <p:nvGrpSpPr>
+        <p:cNvPr id="1" name=""/>
+        <p:cNvGrpSpPr/>
+        <p:nvPr/>
+      </p:nvGrpSpPr>
+      <p:grpSpPr>
+        <a:xfrm>
+          <a:off x="0" y="0"/>
+          <a:ext cx="0" cy="0"/>
+          <a:chOff x="0" y="0"/>
+          <a:chExt cx="0" cy="0"/>
+        </a:xfrm>
+      </p:grpSpPr>
+      <p:sp>
+        <p:nvSpPr>
+          <p:cNvPr id="28674" name="Rectangle 2"/>
+          <p:cNvSpPr>
+            <a:spLocks noGrp="1" noChangeArrowheads="1"/>
+          </p:cNvSpPr>
+          <p:nvPr>
+            <p:ph type="title"/>
+          </p:nvPr>
+        </p:nvSpPr>
+        <p:spPr>
+          <a:xfrm>
+            <a:off x="1845557" y="87920"/>
+            <a:ext cx="5427785" cy="949572"/>
+          </a:xfrm>
+        </p:spPr>
+        <p:txBody>
+          <a:bodyPr/>
+          <a:lstStyle/>
+          <a:p>
+            <a:pPr eaLnBrk="1" hangingPunct="1"/>
+            <a:r>
+              <a:rPr lang="en-US" dirty="0" smtClean="0"/>
+              <a:t>Stable Marriage I.</a:t>
+            </a:r>
+          </a:p>
+        </p:txBody>
+      </p:sp>
+      <p:sp>
+        <p:nvSpPr>
+          <p:cNvPr id="28675" name="Text Box 3"/>
+          <p:cNvSpPr txBox="1">
+            <a:spLocks noChangeArrowheads="1"/>
+          </p:cNvSpPr>
+          <p:nvPr/>
+        </p:nvSpPr>
+        <p:spPr bwMode="auto">
+          <a:xfrm>
+            <a:off x="1287749" y="2705100"/>
+            <a:ext cx="857927" cy="584775"/>
+          </a:xfrm>
+          <a:prstGeom prst="rect">
+            <a:avLst/>
+          </a:prstGeom>
+          <a:noFill/>
+          <a:ln w="9525">
+            <a:noFill/>
+            <a:miter lim="800000"/>
+            <a:headEnd/>
+            <a:tailEnd type="none" w="lg" len="lg"/>
+          </a:ln>
+        </p:spPr>
+        <p:txBody>
+          <a:bodyPr wrap="none">
+            <a:spAutoFit/>
+          </a:bodyPr>
+          <a:lstStyle/>
+          <a:p>
+            <a:pPr>
+              <a:buNone/>
+            </a:pPr>
+            <a:r>
+              <a:rPr lang="en-US" sz="3200">
+                <a:latin typeface="Comic Sans MS" pitchFamily="66" charset="0"/>
+              </a:rPr>
+              <a:t>3 A</a:t>
+            </a:r>
+          </a:p>
+        </p:txBody>
+      </p:sp>
+      <p:pic>
+        <p:nvPicPr>
+          <p:cNvPr id="28676" name="Picture 4" descr="j0232890[1]"/>
+          <p:cNvPicPr>
+            <a:picLocks noChangeAspect="1" noChangeArrowheads="1"/>
+          </p:cNvPicPr>
+          <p:nvPr/>
+        </p:nvPicPr>
+        <p:blipFill>
+          <a:blip r:embed="rId3"/>
+          <a:srcRect/>
+          <a:stretch>
+            <a:fillRect/>
+          </a:stretch>
+        </p:blipFill>
+        <p:spPr bwMode="auto">
+          <a:xfrm>
+            <a:off x="1041687" y="1501775"/>
+            <a:ext cx="839787" cy="1236663"/>
+          </a:xfrm>
+          <a:prstGeom prst="rect">
+            <a:avLst/>
+          </a:prstGeom>
+          <a:noFill/>
+          <a:ln w="9525">
+            <a:noFill/>
+            <a:miter lim="800000"/>
+            <a:headEnd/>
+            <a:tailEnd/>
+          </a:ln>
+        </p:spPr>
+      </p:pic>
+      <p:pic>
+        <p:nvPicPr>
+          <p:cNvPr id="28677" name="Picture 5" descr="j0135033[1]"/>
+          <p:cNvPicPr>
+            <a:picLocks noChangeAspect="1" noChangeArrowheads="1"/>
+          </p:cNvPicPr>
+          <p:nvPr/>
+        </p:nvPicPr>
+        <p:blipFill>
+          <a:blip r:embed="rId4"/>
+          <a:srcRect/>
+          <a:stretch>
+            <a:fillRect/>
+          </a:stretch>
+        </p:blipFill>
+        <p:spPr bwMode="auto">
+          <a:xfrm>
+            <a:off x="1751299" y="1525588"/>
+            <a:ext cx="509588" cy="1138237"/>
+          </a:xfrm>
+          <a:prstGeom prst="rect">
+            <a:avLst/>
+          </a:prstGeom>
+          <a:noFill/>
+          <a:ln w="9525">
+            <a:noFill/>
+            <a:miter lim="800000"/>
+            <a:headEnd/>
+            <a:tailEnd/>
+          </a:ln>
+        </p:spPr>
+      </p:pic>
+      <p:sp>
+        <p:nvSpPr>
+          <p:cNvPr id="28678" name="Text Box 6"/>
+          <p:cNvSpPr txBox="1">
+            <a:spLocks noChangeArrowheads="1"/>
+          </p:cNvSpPr>
+          <p:nvPr/>
+        </p:nvSpPr>
+        <p:spPr bwMode="auto">
+          <a:xfrm>
+            <a:off x="4221449" y="2754313"/>
+            <a:ext cx="816249" cy="584775"/>
+          </a:xfrm>
+          <a:prstGeom prst="rect">
+            <a:avLst/>
+          </a:prstGeom>
+          <a:noFill/>
+          <a:ln w="9525">
+            <a:noFill/>
+            <a:miter lim="800000"/>
+            <a:headEnd/>
+            <a:tailEnd type="none" w="lg" len="lg"/>
+          </a:ln>
+        </p:spPr>
+        <p:txBody>
+          <a:bodyPr wrap="none">
+            <a:spAutoFit/>
+          </a:bodyPr>
+          <a:lstStyle/>
+          <a:p>
+            <a:pPr>
+              <a:buNone/>
+            </a:pPr>
+            <a:r>
+              <a:rPr lang="en-US" sz="3200">
+                <a:latin typeface="Comic Sans MS" pitchFamily="66" charset="0"/>
+              </a:rPr>
+              <a:t>5 B</a:t>
+            </a:r>
+          </a:p>
+        </p:txBody>
+      </p:sp>
+      <p:pic>
+        <p:nvPicPr>
+          <p:cNvPr id="28679" name="Picture 7" descr="j0232890[1]"/>
+          <p:cNvPicPr>
+            <a:picLocks noChangeAspect="1" noChangeArrowheads="1"/>
+          </p:cNvPicPr>
+          <p:nvPr/>
+        </p:nvPicPr>
+        <p:blipFill>
+          <a:blip r:embed="rId5"/>
+          <a:srcRect/>
+          <a:stretch>
+            <a:fillRect/>
+          </a:stretch>
+        </p:blipFill>
+        <p:spPr bwMode="auto">
+          <a:xfrm>
+            <a:off x="4019837" y="1550988"/>
+            <a:ext cx="839787" cy="1236662"/>
+          </a:xfrm>
+          <a:prstGeom prst="rect">
+            <a:avLst/>
+          </a:prstGeom>
+          <a:noFill/>
+          <a:ln w="9525">
+            <a:noFill/>
+            <a:miter lim="800000"/>
+            <a:headEnd/>
+            <a:tailEnd/>
+          </a:ln>
+        </p:spPr>
+      </p:pic>
+      <p:pic>
+        <p:nvPicPr>
+          <p:cNvPr id="28680" name="Picture 8" descr="j0135033[1]"/>
+          <p:cNvPicPr>
+            <a:picLocks noChangeAspect="1" noChangeArrowheads="1"/>
+          </p:cNvPicPr>
+          <p:nvPr/>
+        </p:nvPicPr>
+        <p:blipFill>
+          <a:blip r:embed="rId6"/>
+          <a:srcRect/>
+          <a:stretch>
+            <a:fillRect/>
+          </a:stretch>
+        </p:blipFill>
+        <p:spPr bwMode="auto">
+          <a:xfrm>
+            <a:off x="4731037" y="1600200"/>
+            <a:ext cx="509587" cy="1138238"/>
+          </a:xfrm>
+          <a:prstGeom prst="rect">
+            <a:avLst/>
+          </a:prstGeom>
+          <a:noFill/>
+          <a:ln w="9525">
+            <a:noFill/>
+            <a:miter lim="800000"/>
+            <a:headEnd/>
+            <a:tailEnd/>
+          </a:ln>
+        </p:spPr>
+      </p:pic>
+      <p:sp>
+        <p:nvSpPr>
+          <p:cNvPr id="28681" name="Text Box 9"/>
+          <p:cNvSpPr txBox="1">
+            <a:spLocks noChangeArrowheads="1"/>
+          </p:cNvSpPr>
+          <p:nvPr/>
+        </p:nvSpPr>
+        <p:spPr bwMode="auto">
+          <a:xfrm>
+            <a:off x="7009099" y="2697163"/>
+            <a:ext cx="805029" cy="584775"/>
+          </a:xfrm>
+          <a:prstGeom prst="rect">
+            <a:avLst/>
+          </a:prstGeom>
+          <a:noFill/>
+          <a:ln w="9525">
+            <a:noFill/>
+            <a:miter lim="800000"/>
+            <a:headEnd/>
+            <a:tailEnd type="none" w="lg" len="lg"/>
+          </a:ln>
+        </p:spPr>
+        <p:txBody>
+          <a:bodyPr wrap="none">
+            <a:spAutoFit/>
+          </a:bodyPr>
+          <a:lstStyle/>
+          <a:p>
+            <a:pPr>
+              <a:buNone/>
+            </a:pPr>
+            <a:r>
+              <a:rPr lang="en-US" sz="3200">
+                <a:latin typeface="Comic Sans MS" pitchFamily="66" charset="0"/>
+              </a:rPr>
+              <a:t>4 C</a:t>
+            </a:r>
+          </a:p>
+        </p:txBody>
+      </p:sp>
+      <p:pic>
+        <p:nvPicPr>
+          <p:cNvPr id="28682" name="Picture 10" descr="j0232890[1]"/>
+          <p:cNvPicPr>
+            <a:picLocks noChangeAspect="1" noChangeArrowheads="1"/>
+          </p:cNvPicPr>
+          <p:nvPr/>
+        </p:nvPicPr>
+        <p:blipFill>
+          <a:blip r:embed="rId7"/>
+          <a:srcRect/>
+          <a:stretch>
+            <a:fillRect/>
+          </a:stretch>
+        </p:blipFill>
+        <p:spPr bwMode="auto">
+          <a:xfrm>
+            <a:off x="6812249" y="1517650"/>
+            <a:ext cx="839788" cy="1236663"/>
+          </a:xfrm>
+          <a:prstGeom prst="rect">
+            <a:avLst/>
+          </a:prstGeom>
+          <a:noFill/>
+          <a:ln w="9525">
+            <a:noFill/>
+            <a:miter lim="800000"/>
+            <a:headEnd/>
+            <a:tailEnd/>
+          </a:ln>
+        </p:spPr>
+      </p:pic>
+      <p:pic>
+        <p:nvPicPr>
+          <p:cNvPr id="28683" name="Picture 11" descr="j0135033[1]"/>
+          <p:cNvPicPr>
+            <a:picLocks noChangeAspect="1" noChangeArrowheads="1"/>
+          </p:cNvPicPr>
+          <p:nvPr/>
+        </p:nvPicPr>
+        <p:blipFill>
+          <a:blip r:embed="rId8"/>
+          <a:srcRect/>
+          <a:stretch>
+            <a:fillRect/>
+          </a:stretch>
+        </p:blipFill>
+        <p:spPr bwMode="auto">
+          <a:xfrm>
+            <a:off x="7474237" y="1541463"/>
+            <a:ext cx="509587" cy="1138237"/>
+          </a:xfrm>
+          <a:prstGeom prst="rect">
+            <a:avLst/>
+          </a:prstGeom>
+          <a:noFill/>
+          <a:ln w="9525">
+            <a:noFill/>
+            <a:miter lim="800000"/>
+            <a:headEnd/>
+            <a:tailEnd/>
+          </a:ln>
+        </p:spPr>
+      </p:pic>
+      <p:sp>
+        <p:nvSpPr>
+          <p:cNvPr id="28684" name="Text Box 12"/>
+          <p:cNvSpPr txBox="1">
+            <a:spLocks noChangeArrowheads="1"/>
+          </p:cNvSpPr>
+          <p:nvPr/>
+        </p:nvSpPr>
+        <p:spPr bwMode="auto">
+          <a:xfrm>
+            <a:off x="2730787" y="4641850"/>
+            <a:ext cx="782637" cy="579438"/>
+          </a:xfrm>
+          <a:prstGeom prst="rect">
+            <a:avLst/>
+          </a:prstGeom>
+          <a:noFill/>
+          <a:ln w="9525">
+            <a:noFill/>
+            <a:miter lim="800000"/>
+            <a:headEnd/>
+            <a:tailEnd type="none" w="lg" len="lg"/>
+          </a:ln>
+        </p:spPr>
+        <p:txBody>
+          <a:bodyPr wrap="none">
+            <a:spAutoFit/>
+          </a:bodyPr>
+          <a:lstStyle/>
+          <a:p>
+            <a:pPr>
+              <a:buNone/>
+            </a:pPr>
+            <a:r>
+              <a:rPr lang="en-US" sz="3200">
+                <a:latin typeface="Comic Sans MS" pitchFamily="66" charset="0"/>
+              </a:rPr>
+              <a:t>1 D</a:t>
+            </a:r>
+          </a:p>
+        </p:txBody>
+      </p:sp>
+      <p:pic>
+        <p:nvPicPr>
+          <p:cNvPr id="28685" name="Picture 13" descr="j0232890[1]"/>
+          <p:cNvPicPr>
+            <a:picLocks noChangeAspect="1" noChangeArrowheads="1"/>
+          </p:cNvPicPr>
+          <p:nvPr/>
+        </p:nvPicPr>
+        <p:blipFill>
+          <a:blip r:embed="rId9"/>
+          <a:srcRect/>
+          <a:stretch>
+            <a:fillRect/>
+          </a:stretch>
+        </p:blipFill>
+        <p:spPr bwMode="auto">
+          <a:xfrm>
+            <a:off x="2594262" y="3349625"/>
+            <a:ext cx="839787" cy="1236663"/>
+          </a:xfrm>
+          <a:prstGeom prst="rect">
+            <a:avLst/>
+          </a:prstGeom>
+          <a:noFill/>
+          <a:ln w="9525">
+            <a:noFill/>
+            <a:miter lim="800000"/>
+            <a:headEnd/>
+            <a:tailEnd/>
+          </a:ln>
+        </p:spPr>
+      </p:pic>
+      <p:pic>
+        <p:nvPicPr>
+          <p:cNvPr id="28686" name="Picture 14" descr="j0135033[1]"/>
+          <p:cNvPicPr>
+            <a:picLocks noChangeAspect="1" noChangeArrowheads="1"/>
+          </p:cNvPicPr>
+          <p:nvPr/>
+        </p:nvPicPr>
+        <p:blipFill>
+          <a:blip r:embed="rId10"/>
+          <a:srcRect/>
+          <a:stretch>
+            <a:fillRect/>
+          </a:stretch>
+        </p:blipFill>
+        <p:spPr bwMode="auto">
+          <a:xfrm>
+            <a:off x="3245137" y="3373438"/>
+            <a:ext cx="509587" cy="1138237"/>
+          </a:xfrm>
+          <a:prstGeom prst="rect">
+            <a:avLst/>
+          </a:prstGeom>
+          <a:noFill/>
+          <a:ln w="9525">
+            <a:noFill/>
+            <a:miter lim="800000"/>
+            <a:headEnd/>
+            <a:tailEnd/>
+          </a:ln>
+        </p:spPr>
+      </p:pic>
+      <p:sp>
+        <p:nvSpPr>
+          <p:cNvPr id="28687" name="Text Box 15"/>
+          <p:cNvSpPr txBox="1">
+            <a:spLocks noChangeArrowheads="1"/>
+          </p:cNvSpPr>
+          <p:nvPr/>
+        </p:nvSpPr>
+        <p:spPr bwMode="auto">
+          <a:xfrm>
+            <a:off x="5786724" y="4614863"/>
+            <a:ext cx="814647" cy="584775"/>
+          </a:xfrm>
+          <a:prstGeom prst="rect">
+            <a:avLst/>
+          </a:prstGeom>
+          <a:noFill/>
+          <a:ln w="9525">
+            <a:noFill/>
+            <a:miter lim="800000"/>
+            <a:headEnd/>
+            <a:tailEnd type="none" w="lg" len="lg"/>
+          </a:ln>
+        </p:spPr>
+        <p:txBody>
+          <a:bodyPr wrap="none">
+            <a:spAutoFit/>
+          </a:bodyPr>
+          <a:lstStyle/>
+          <a:p>
+            <a:pPr>
+              <a:buNone/>
+            </a:pPr>
+            <a:r>
+              <a:rPr lang="en-US" sz="3200">
+                <a:latin typeface="Comic Sans MS" pitchFamily="66" charset="0"/>
+              </a:rPr>
+              <a:t>2 E</a:t>
+            </a:r>
+          </a:p>
+        </p:txBody>
+      </p:sp>
+      <p:pic>
+        <p:nvPicPr>
+          <p:cNvPr id="28688" name="Picture 16" descr="j0232890[1]"/>
+          <p:cNvPicPr>
+            <a:picLocks noChangeAspect="1" noChangeArrowheads="1"/>
+          </p:cNvPicPr>
+          <p:nvPr/>
+        </p:nvPicPr>
+        <p:blipFill>
+          <a:blip r:embed="rId11"/>
+          <a:srcRect/>
+          <a:stretch>
+            <a:fillRect/>
+          </a:stretch>
+        </p:blipFill>
+        <p:spPr bwMode="auto">
+          <a:xfrm>
+            <a:off x="5516849" y="3371850"/>
+            <a:ext cx="839788" cy="1236663"/>
+          </a:xfrm>
+          <a:prstGeom prst="rect">
+            <a:avLst/>
+          </a:prstGeom>
+          <a:noFill/>
+          <a:ln w="9525">
+            <a:noFill/>
+            <a:miter lim="800000"/>
+            <a:headEnd/>
+            <a:tailEnd/>
+          </a:ln>
+        </p:spPr>
+      </p:pic>
+      <p:pic>
+        <p:nvPicPr>
+          <p:cNvPr id="28689" name="Picture 17" descr="j0135033[1]"/>
+          <p:cNvPicPr>
+            <a:picLocks noChangeAspect="1" noChangeArrowheads="1"/>
+          </p:cNvPicPr>
+          <p:nvPr/>
+        </p:nvPicPr>
+        <p:blipFill>
+          <a:blip r:embed="rId12"/>
+          <a:srcRect/>
+          <a:stretch>
+            <a:fillRect/>
+          </a:stretch>
+        </p:blipFill>
+        <p:spPr bwMode="auto">
+          <a:xfrm>
             <a:off x="6251862" y="3370263"/>
             <a:ext cx="509587" cy="1138237"/>
           </a:xfrm>
@@ -8784,7 +9530,7 @@
             <a:fld id="{8903EEE6-9396-413A-81EB-3D943BD7359C}" type="slidenum">
               <a:rPr lang="en-US" smtClean="0"/>
               <a:pPr/>
-              <a:t>16</a:t>
+              <a:t>17</a:t>
             </a:fld>
             <a:endParaRPr lang="en-US" dirty="0" smtClean="0"/>
           </a:p>
@@ -8892,7 +9638,7 @@
 </p:sld>
 </file>
 
-<file path=ppt/slides/slide17.xml><?xml version="1.0" encoding="utf-8"?>
+<file path=ppt/slides/slide18.xml><?xml version="1.0" encoding="utf-8"?>
 <p:sld xmlns:a="http://schemas.openxmlformats.org/drawingml/2006/main" xmlns:r="http://schemas.openxmlformats.org/officeDocument/2006/relationships" xmlns:p="http://schemas.openxmlformats.org/presentationml/2006/main">
   <p:cSld>
     <p:spTree>
@@ -9697,7 +10443,7 @@
             <a:fld id="{BD4785E0-7537-4287-B2C9-291C761FDE08}" type="slidenum">
               <a:rPr lang="en-US" smtClean="0"/>
               <a:pPr/>
-              <a:t>17</a:t>
+              <a:t>18</a:t>
             </a:fld>
             <a:endParaRPr lang="en-US" dirty="0" smtClean="0"/>
           </a:p>
@@ -9838,7 +10584,7 @@
 </p:sld>
 </file>
 
-<file path=ppt/slides/slide18.xml><?xml version="1.0" encoding="utf-8"?>
+<file path=ppt/slides/slide19.xml><?xml version="1.0" encoding="utf-8"?>
 <p:sld xmlns:a="http://schemas.openxmlformats.org/drawingml/2006/main" xmlns:r="http://schemas.openxmlformats.org/officeDocument/2006/relationships" xmlns:p="http://schemas.openxmlformats.org/presentationml/2006/main" showMasterPhAnim="0">
   <p:cSld>
     <p:spTree>
@@ -9973,7 +10719,7 @@
                 <a:buFont typeface="Arial"/>
                 <a:buChar char="•"/>
               </a:pPr>
-              <a:t>18</a:t>
+              <a:t>19</a:t>
             </a:fld>
             <a:endParaRPr lang="en-US" dirty="0" smtClean="0"/>
           </a:p>
@@ -10251,165 +10997,6 @@
 </p:sld>
 </file>
 
-<file path=ppt/slides/slide19.xml><?xml version="1.0" encoding="utf-8"?>
-<p:sld xmlns:a="http://schemas.openxmlformats.org/drawingml/2006/main" xmlns:r="http://schemas.openxmlformats.org/officeDocument/2006/relationships" xmlns:p="http://schemas.openxmlformats.org/presentationml/2006/main" showMasterPhAnim="0">
-  <p:cSld>
-    <p:spTree>
-      <p:nvGrpSpPr>
-        <p:cNvPr id="1" name=""/>
-        <p:cNvGrpSpPr/>
-        <p:nvPr/>
-      </p:nvGrpSpPr>
-      <p:grpSpPr>
-        <a:xfrm>
-          <a:off x="0" y="0"/>
-          <a:ext cx="0" cy="0"/>
-          <a:chOff x="0" y="0"/>
-          <a:chExt cx="0" cy="0"/>
-        </a:xfrm>
-      </p:grpSpPr>
-      <p:sp>
-        <p:nvSpPr>
-          <p:cNvPr id="29698" name="Rectangle 2"/>
-          <p:cNvSpPr>
-            <a:spLocks noGrp="1" noChangeArrowheads="1"/>
-          </p:cNvSpPr>
-          <p:nvPr>
-            <p:ph type="title"/>
-          </p:nvPr>
-        </p:nvSpPr>
-        <p:spPr/>
-        <p:txBody>
-          <a:bodyPr/>
-          <a:lstStyle/>
-          <a:p>
-            <a:pPr eaLnBrk="1" hangingPunct="1"/>
-            <a:r>
-              <a:rPr lang="en-US" sz="3600" dirty="0" smtClean="0"/>
-              <a:t>Stable Marriage</a:t>
-            </a:r>
-          </a:p>
-        </p:txBody>
-      </p:sp>
-      <p:sp>
-        <p:nvSpPr>
-          <p:cNvPr id="583683" name="Rectangle 3"/>
-          <p:cNvSpPr>
-            <a:spLocks noGrp="1" noChangeArrowheads="1"/>
-          </p:cNvSpPr>
-          <p:nvPr>
-            <p:ph type="body" idx="1"/>
-          </p:nvPr>
-        </p:nvSpPr>
-        <p:spPr>
-          <a:xfrm>
-            <a:off x="327407" y="1287080"/>
-            <a:ext cx="8619240" cy="4525415"/>
-          </a:xfrm>
-        </p:spPr>
-        <p:txBody>
-          <a:bodyPr/>
-          <a:lstStyle/>
-          <a:p>
-            <a:pPr eaLnBrk="1" hangingPunct="1">
-              <a:buNone/>
-            </a:pPr>
-            <a:r>
-              <a:rPr lang="en-US" sz="4800" dirty="0" smtClean="0"/>
-              <a:t>More than a puzzle:</a:t>
-            </a:r>
-          </a:p>
-          <a:p>
-            <a:pPr eaLnBrk="1" hangingPunct="1"/>
-            <a:r>
-              <a:rPr lang="en-US" sz="4800" dirty="0" smtClean="0"/>
-              <a:t>College Admissions</a:t>
-            </a:r>
-          </a:p>
-          <a:p>
-            <a:pPr lvl="1" eaLnBrk="1" hangingPunct="1">
-              <a:spcBef>
-                <a:spcPct val="0"/>
-              </a:spcBef>
-              <a:buNone/>
-            </a:pPr>
-            <a:r>
-              <a:rPr lang="en-US" sz="2400" dirty="0" smtClean="0"/>
-              <a:t>			(original Gale &amp; Shapley paper, 1962)</a:t>
-            </a:r>
-            <a:endParaRPr lang="en-US" sz="4400" dirty="0" smtClean="0"/>
-          </a:p>
-          <a:p>
-            <a:pPr eaLnBrk="1" hangingPunct="1"/>
-            <a:r>
-              <a:rPr lang="en-US" sz="4400" dirty="0" smtClean="0"/>
-              <a:t>Matching Hospitals &amp; Residents.</a:t>
-            </a:r>
-          </a:p>
-          <a:p>
-            <a:pPr eaLnBrk="1" hangingPunct="1"/>
-            <a:r>
-              <a:rPr lang="en-US" sz="4800" dirty="0" smtClean="0"/>
-              <a:t>Matching Dance Partners.</a:t>
-            </a:r>
-          </a:p>
-        </p:txBody>
-      </p:sp>
-      <p:sp>
-        <p:nvSpPr>
-          <p:cNvPr id="29700" name="Slide Number Placeholder 1"/>
-          <p:cNvSpPr>
-            <a:spLocks noGrp="1"/>
-          </p:cNvSpPr>
-          <p:nvPr>
-            <p:ph type="sldNum" sz="quarter" idx="10"/>
-          </p:nvPr>
-        </p:nvSpPr>
-        <p:spPr>
-          <a:noFill/>
-        </p:spPr>
-        <p:txBody>
-          <a:bodyPr/>
-          <a:lstStyle/>
-          <a:p>
-            <a:pPr>
-              <a:buFont typeface="Arial"/>
-              <a:buChar char="•"/>
-            </a:pPr>
-            <a:r>
-              <a:rPr lang="en-US" dirty="0" smtClean="0"/>
-              <a:t>stable.</a:t>
-            </a:r>
-            <a:fld id="{0E34B4AB-722C-48E8-93E1-D16C68AF395B}" type="slidenum">
-              <a:rPr lang="en-US" smtClean="0"/>
-              <a:pPr>
-                <a:buFont typeface="Arial"/>
-                <a:buChar char="•"/>
-              </a:pPr>
-              <a:t>19</a:t>
-            </a:fld>
-            <a:endParaRPr lang="en-US" dirty="0" smtClean="0"/>
-          </a:p>
-        </p:txBody>
-      </p:sp>
-    </p:spTree>
-  </p:cSld>
-  <p:clrMapOvr>
-    <a:masterClrMapping/>
-  </p:clrMapOvr>
-  <p:transition xmlns:p14="http://schemas.microsoft.com/office/powerpoint/2010/main" advClick="0">
-    <p:fade/>
-  </p:transition>
-  <p:timing>
-    <p:tnLst>
-      <p:par>
-        <p:cTn xmlns:p14="http://schemas.microsoft.com/office/powerpoint/2010/main" id="1" dur="indefinite" restart="never" nodeType="tmRoot"/>
-      </p:par>
-    </p:tnLst>
-  </p:timing>
-</p:sld>
-</file>
-
 <file path=ppt/slides/slide2.xml><?xml version="1.0" encoding="utf-8"?>
 <p:sld xmlns:a="http://schemas.openxmlformats.org/drawingml/2006/main" xmlns:r="http://schemas.openxmlformats.org/officeDocument/2006/relationships" xmlns:p="http://schemas.openxmlformats.org/presentationml/2006/main">
   <p:cSld>
@@ -11099,6 +11686,165 @@
 </file>
 
 <file path=ppt/slides/slide20.xml><?xml version="1.0" encoding="utf-8"?>
+<p:sld xmlns:a="http://schemas.openxmlformats.org/drawingml/2006/main" xmlns:r="http://schemas.openxmlformats.org/officeDocument/2006/relationships" xmlns:p="http://schemas.openxmlformats.org/presentationml/2006/main" showMasterPhAnim="0">
+  <p:cSld>
+    <p:spTree>
+      <p:nvGrpSpPr>
+        <p:cNvPr id="1" name=""/>
+        <p:cNvGrpSpPr/>
+        <p:nvPr/>
+      </p:nvGrpSpPr>
+      <p:grpSpPr>
+        <a:xfrm>
+          <a:off x="0" y="0"/>
+          <a:ext cx="0" cy="0"/>
+          <a:chOff x="0" y="0"/>
+          <a:chExt cx="0" cy="0"/>
+        </a:xfrm>
+      </p:grpSpPr>
+      <p:sp>
+        <p:nvSpPr>
+          <p:cNvPr id="29698" name="Rectangle 2"/>
+          <p:cNvSpPr>
+            <a:spLocks noGrp="1" noChangeArrowheads="1"/>
+          </p:cNvSpPr>
+          <p:nvPr>
+            <p:ph type="title"/>
+          </p:nvPr>
+        </p:nvSpPr>
+        <p:spPr/>
+        <p:txBody>
+          <a:bodyPr/>
+          <a:lstStyle/>
+          <a:p>
+            <a:pPr eaLnBrk="1" hangingPunct="1"/>
+            <a:r>
+              <a:rPr lang="en-US" sz="3600" dirty="0" smtClean="0"/>
+              <a:t>Stable Marriage</a:t>
+            </a:r>
+          </a:p>
+        </p:txBody>
+      </p:sp>
+      <p:sp>
+        <p:nvSpPr>
+          <p:cNvPr id="583683" name="Rectangle 3"/>
+          <p:cNvSpPr>
+            <a:spLocks noGrp="1" noChangeArrowheads="1"/>
+          </p:cNvSpPr>
+          <p:nvPr>
+            <p:ph type="body" idx="1"/>
+          </p:nvPr>
+        </p:nvSpPr>
+        <p:spPr>
+          <a:xfrm>
+            <a:off x="327407" y="1287080"/>
+            <a:ext cx="8619240" cy="4525415"/>
+          </a:xfrm>
+        </p:spPr>
+        <p:txBody>
+          <a:bodyPr/>
+          <a:lstStyle/>
+          <a:p>
+            <a:pPr eaLnBrk="1" hangingPunct="1">
+              <a:buNone/>
+            </a:pPr>
+            <a:r>
+              <a:rPr lang="en-US" sz="4800" dirty="0" smtClean="0"/>
+              <a:t>More than a puzzle:</a:t>
+            </a:r>
+          </a:p>
+          <a:p>
+            <a:pPr eaLnBrk="1" hangingPunct="1"/>
+            <a:r>
+              <a:rPr lang="en-US" sz="4800" dirty="0" smtClean="0"/>
+              <a:t>College Admissions</a:t>
+            </a:r>
+          </a:p>
+          <a:p>
+            <a:pPr lvl="1" eaLnBrk="1" hangingPunct="1">
+              <a:spcBef>
+                <a:spcPct val="0"/>
+              </a:spcBef>
+              <a:buNone/>
+            </a:pPr>
+            <a:r>
+              <a:rPr lang="en-US" sz="2400" dirty="0" smtClean="0"/>
+              <a:t>			(original Gale &amp; Shapley paper, 1962)</a:t>
+            </a:r>
+            <a:endParaRPr lang="en-US" sz="4400" dirty="0" smtClean="0"/>
+          </a:p>
+          <a:p>
+            <a:pPr eaLnBrk="1" hangingPunct="1"/>
+            <a:r>
+              <a:rPr lang="en-US" sz="4400" dirty="0" smtClean="0"/>
+              <a:t>Matching Hospitals &amp; Residents.</a:t>
+            </a:r>
+          </a:p>
+          <a:p>
+            <a:pPr eaLnBrk="1" hangingPunct="1"/>
+            <a:r>
+              <a:rPr lang="en-US" sz="4800" dirty="0" smtClean="0"/>
+              <a:t>Matching Dance Partners.</a:t>
+            </a:r>
+          </a:p>
+        </p:txBody>
+      </p:sp>
+      <p:sp>
+        <p:nvSpPr>
+          <p:cNvPr id="29700" name="Slide Number Placeholder 1"/>
+          <p:cNvSpPr>
+            <a:spLocks noGrp="1"/>
+          </p:cNvSpPr>
+          <p:nvPr>
+            <p:ph type="sldNum" sz="quarter" idx="10"/>
+          </p:nvPr>
+        </p:nvSpPr>
+        <p:spPr>
+          <a:noFill/>
+        </p:spPr>
+        <p:txBody>
+          <a:bodyPr/>
+          <a:lstStyle/>
+          <a:p>
+            <a:pPr>
+              <a:buFont typeface="Arial"/>
+              <a:buChar char="•"/>
+            </a:pPr>
+            <a:r>
+              <a:rPr lang="en-US" dirty="0" smtClean="0"/>
+              <a:t>stable.</a:t>
+            </a:r>
+            <a:fld id="{0E34B4AB-722C-48E8-93E1-D16C68AF395B}" type="slidenum">
+              <a:rPr lang="en-US" smtClean="0"/>
+              <a:pPr>
+                <a:buFont typeface="Arial"/>
+                <a:buChar char="•"/>
+              </a:pPr>
+              <a:t>20</a:t>
+            </a:fld>
+            <a:endParaRPr lang="en-US" dirty="0" smtClean="0"/>
+          </a:p>
+        </p:txBody>
+      </p:sp>
+    </p:spTree>
+  </p:cSld>
+  <p:clrMapOvr>
+    <a:masterClrMapping/>
+  </p:clrMapOvr>
+  <p:transition xmlns:p14="http://schemas.microsoft.com/office/powerpoint/2010/main" advClick="0">
+    <p:fade/>
+  </p:transition>
+  <p:timing>
+    <p:tnLst>
+      <p:par>
+        <p:cTn xmlns:p14="http://schemas.microsoft.com/office/powerpoint/2010/main" id="1" dur="indefinite" restart="never" nodeType="tmRoot"/>
+      </p:par>
+    </p:tnLst>
+  </p:timing>
+</p:sld>
+</file>
+
+<file path=ppt/slides/slide21.xml><?xml version="1.0" encoding="utf-8"?>
 <p:sld xmlns:a="http://schemas.openxmlformats.org/drawingml/2006/main" xmlns:r="http://schemas.openxmlformats.org/officeDocument/2006/relationships" xmlns:p="http://schemas.openxmlformats.org/presentationml/2006/main">
   <p:cSld>
     <p:spTree>
@@ -11194,7 +11940,7 @@
             <a:fld id="{FF8712C4-DC69-4BDF-A3AC-8A5CC2E744F0}" type="slidenum">
               <a:rPr lang="en-US" smtClean="0"/>
               <a:pPr/>
-              <a:t>20</a:t>
+              <a:t>21</a:t>
             </a:fld>
             <a:endParaRPr lang="en-US" dirty="0" smtClean="0"/>
           </a:p>
